--- a/Presentation1.pptx
+++ b/Presentation1.pptx
@@ -5,22 +5,11 @@
     <p:sldMasterId id="2147483648" r:id="rId1"/>
   </p:sldMasterIdLst>
   <p:sldIdLst>
-    <p:sldId id="256" r:id="rId2"/>
-    <p:sldId id="257" r:id="rId3"/>
-    <p:sldId id="258" r:id="rId4"/>
-    <p:sldId id="259" r:id="rId5"/>
-    <p:sldId id="261" r:id="rId6"/>
-    <p:sldId id="262" r:id="rId7"/>
-    <p:sldId id="260" r:id="rId8"/>
-    <p:sldId id="263" r:id="rId9"/>
-    <p:sldId id="264" r:id="rId10"/>
-    <p:sldId id="265" r:id="rId11"/>
-    <p:sldId id="266" r:id="rId12"/>
-    <p:sldId id="267" r:id="rId13"/>
-    <p:sldId id="268" r:id="rId14"/>
-    <p:sldId id="269" r:id="rId15"/>
-    <p:sldId id="270" r:id="rId16"/>
-    <p:sldId id="271" r:id="rId17"/>
+    <p:sldId id="262" r:id="rId2"/>
+    <p:sldId id="263" r:id="rId3"/>
+    <p:sldId id="266" r:id="rId4"/>
+    <p:sldId id="264" r:id="rId5"/>
+    <p:sldId id="265" r:id="rId6"/>
   </p:sldIdLst>
   <p:sldSz cx="12192000" cy="6858000"/>
   <p:notesSz cx="6858000" cy="9144000"/>
@@ -119,6 +108,11 @@
       </a:defRPr>
     </a:lvl9pPr>
   </p:defaultTextStyle>
+  <p:extLst>
+    <p:ext uri="{EFAFB233-063F-42B5-8137-9DF3F51BA10A}">
+      <p15:sldGuideLst xmlns:p15="http://schemas.microsoft.com/office/powerpoint/2012/main"/>
+    </p:ext>
+  </p:extLst>
 </p:presentation>
 </file>
 
@@ -144,7 +138,7 @@
           <p:cNvPr id="2" name="Title 1">
             <a:extLst>
               <a:ext uri="{FF2B5EF4-FFF2-40B4-BE49-F238E27FC236}">
-                <a16:creationId xmlns:a16="http://schemas.microsoft.com/office/drawing/2014/main" id="{5DC156B3-EA1B-9F4B-3C0B-18652EE23564}"/>
+                <a16:creationId xmlns:a16="http://schemas.microsoft.com/office/drawing/2014/main" id="{94EE5D7B-8F51-AC0B-704A-C124B8DD38B5}"/>
               </a:ext>
             </a:extLst>
           </p:cNvPr>
@@ -181,7 +175,7 @@
           <p:cNvPr id="3" name="Subtitle 2">
             <a:extLst>
               <a:ext uri="{FF2B5EF4-FFF2-40B4-BE49-F238E27FC236}">
-                <a16:creationId xmlns:a16="http://schemas.microsoft.com/office/drawing/2014/main" id="{7D41A3CE-1ABC-2045-C30B-495170E764BD}"/>
+                <a16:creationId xmlns:a16="http://schemas.microsoft.com/office/drawing/2014/main" id="{38C8DB64-9E8A-92C8-56C4-D5B5D212D70A}"/>
               </a:ext>
             </a:extLst>
           </p:cNvPr>
@@ -251,7 +245,7 @@
           <p:cNvPr id="4" name="Date Placeholder 3">
             <a:extLst>
               <a:ext uri="{FF2B5EF4-FFF2-40B4-BE49-F238E27FC236}">
-                <a16:creationId xmlns:a16="http://schemas.microsoft.com/office/drawing/2014/main" id="{3763ED83-E139-432D-C269-241F5FA9D2CB}"/>
+                <a16:creationId xmlns:a16="http://schemas.microsoft.com/office/drawing/2014/main" id="{58D76889-96D5-8D0F-50BE-0D37962B94F4}"/>
               </a:ext>
             </a:extLst>
           </p:cNvPr>
@@ -267,7 +261,7 @@
           <a:bodyPr/>
           <a:lstStyle/>
           <a:p>
-            <a:fld id="{0EA4EB22-5356-4DE4-8605-95DA6F1F12A7}" type="datetimeFigureOut">
+            <a:fld id="{E1856488-4F7B-40FA-9EE2-B0F25D0506F5}" type="datetimeFigureOut">
               <a:rPr lang="en-US" smtClean="0"/>
               <a:t>12/22/2022</a:t>
             </a:fld>
@@ -280,7 +274,7 @@
           <p:cNvPr id="5" name="Footer Placeholder 4">
             <a:extLst>
               <a:ext uri="{FF2B5EF4-FFF2-40B4-BE49-F238E27FC236}">
-                <a16:creationId xmlns:a16="http://schemas.microsoft.com/office/drawing/2014/main" id="{C63B3CE4-C158-685D-272B-BB27EFDDD26C}"/>
+                <a16:creationId xmlns:a16="http://schemas.microsoft.com/office/drawing/2014/main" id="{99D049A4-F33D-4BE5-A09A-8FFAF59210D3}"/>
               </a:ext>
             </a:extLst>
           </p:cNvPr>
@@ -305,7 +299,7 @@
           <p:cNvPr id="6" name="Slide Number Placeholder 5">
             <a:extLst>
               <a:ext uri="{FF2B5EF4-FFF2-40B4-BE49-F238E27FC236}">
-                <a16:creationId xmlns:a16="http://schemas.microsoft.com/office/drawing/2014/main" id="{FA6CB64D-3E53-C80E-E9CA-22569A2999F2}"/>
+                <a16:creationId xmlns:a16="http://schemas.microsoft.com/office/drawing/2014/main" id="{698356E8-94DC-005F-B060-790A5C5071C7}"/>
               </a:ext>
             </a:extLst>
           </p:cNvPr>
@@ -321,7 +315,7 @@
           <a:bodyPr/>
           <a:lstStyle/>
           <a:p>
-            <a:fld id="{6CE4EEF9-9FA5-4B3D-A36E-47DE31F92B0F}" type="slidenum">
+            <a:fld id="{FBE3CD3C-D0ED-4948-A9BA-6207E2BFB767}" type="slidenum">
               <a:rPr lang="en-US" smtClean="0"/>
               <a:t>‹#›</a:t>
             </a:fld>
@@ -332,7 +326,7 @@
     </p:spTree>
     <p:extLst>
       <p:ext uri="{BB962C8B-B14F-4D97-AF65-F5344CB8AC3E}">
-        <p14:creationId xmlns:p14="http://schemas.microsoft.com/office/powerpoint/2010/main" val="2773353369"/>
+        <p14:creationId xmlns:p14="http://schemas.microsoft.com/office/powerpoint/2010/main" val="1440564501"/>
       </p:ext>
     </p:extLst>
   </p:cSld>
@@ -364,7 +358,7 @@
           <p:cNvPr id="2" name="Title 1">
             <a:extLst>
               <a:ext uri="{FF2B5EF4-FFF2-40B4-BE49-F238E27FC236}">
-                <a16:creationId xmlns:a16="http://schemas.microsoft.com/office/drawing/2014/main" id="{6363A56F-DBD9-F649-EE7C-262845E48FC9}"/>
+                <a16:creationId xmlns:a16="http://schemas.microsoft.com/office/drawing/2014/main" id="{7EA7B273-92AE-299D-2A0F-63F7BA926063}"/>
               </a:ext>
             </a:extLst>
           </p:cNvPr>
@@ -392,7 +386,7 @@
           <p:cNvPr id="3" name="Vertical Text Placeholder 2">
             <a:extLst>
               <a:ext uri="{FF2B5EF4-FFF2-40B4-BE49-F238E27FC236}">
-                <a16:creationId xmlns:a16="http://schemas.microsoft.com/office/drawing/2014/main" id="{DF7D151A-62D9-93FA-3269-6467413A8407}"/>
+                <a16:creationId xmlns:a16="http://schemas.microsoft.com/office/drawing/2014/main" id="{B49B50D9-FBE8-4250-82F8-E9A953D847CE}"/>
               </a:ext>
             </a:extLst>
           </p:cNvPr>
@@ -449,7 +443,7 @@
           <p:cNvPr id="4" name="Date Placeholder 3">
             <a:extLst>
               <a:ext uri="{FF2B5EF4-FFF2-40B4-BE49-F238E27FC236}">
-                <a16:creationId xmlns:a16="http://schemas.microsoft.com/office/drawing/2014/main" id="{E18497C4-63ED-2BEF-38A2-78FAFDB86575}"/>
+                <a16:creationId xmlns:a16="http://schemas.microsoft.com/office/drawing/2014/main" id="{8F4A0074-501F-947C-0407-A190891C6449}"/>
               </a:ext>
             </a:extLst>
           </p:cNvPr>
@@ -465,7 +459,7 @@
           <a:bodyPr/>
           <a:lstStyle/>
           <a:p>
-            <a:fld id="{0EA4EB22-5356-4DE4-8605-95DA6F1F12A7}" type="datetimeFigureOut">
+            <a:fld id="{E1856488-4F7B-40FA-9EE2-B0F25D0506F5}" type="datetimeFigureOut">
               <a:rPr lang="en-US" smtClean="0"/>
               <a:t>12/22/2022</a:t>
             </a:fld>
@@ -478,7 +472,7 @@
           <p:cNvPr id="5" name="Footer Placeholder 4">
             <a:extLst>
               <a:ext uri="{FF2B5EF4-FFF2-40B4-BE49-F238E27FC236}">
-                <a16:creationId xmlns:a16="http://schemas.microsoft.com/office/drawing/2014/main" id="{2934366F-62BC-BE16-B09A-4EB0CA23CA52}"/>
+                <a16:creationId xmlns:a16="http://schemas.microsoft.com/office/drawing/2014/main" id="{CB48F547-2632-8ECD-2530-37B93905CE93}"/>
               </a:ext>
             </a:extLst>
           </p:cNvPr>
@@ -503,7 +497,7 @@
           <p:cNvPr id="6" name="Slide Number Placeholder 5">
             <a:extLst>
               <a:ext uri="{FF2B5EF4-FFF2-40B4-BE49-F238E27FC236}">
-                <a16:creationId xmlns:a16="http://schemas.microsoft.com/office/drawing/2014/main" id="{5DD988E4-DDC8-888D-F262-7E42770C9C34}"/>
+                <a16:creationId xmlns:a16="http://schemas.microsoft.com/office/drawing/2014/main" id="{126FDFAD-22CB-6B45-9258-A9F1B547DE56}"/>
               </a:ext>
             </a:extLst>
           </p:cNvPr>
@@ -519,7 +513,7 @@
           <a:bodyPr/>
           <a:lstStyle/>
           <a:p>
-            <a:fld id="{6CE4EEF9-9FA5-4B3D-A36E-47DE31F92B0F}" type="slidenum">
+            <a:fld id="{FBE3CD3C-D0ED-4948-A9BA-6207E2BFB767}" type="slidenum">
               <a:rPr lang="en-US" smtClean="0"/>
               <a:t>‹#›</a:t>
             </a:fld>
@@ -530,7 +524,7 @@
     </p:spTree>
     <p:extLst>
       <p:ext uri="{BB962C8B-B14F-4D97-AF65-F5344CB8AC3E}">
-        <p14:creationId xmlns:p14="http://schemas.microsoft.com/office/powerpoint/2010/main" val="3423434331"/>
+        <p14:creationId xmlns:p14="http://schemas.microsoft.com/office/powerpoint/2010/main" val="1902262653"/>
       </p:ext>
     </p:extLst>
   </p:cSld>
@@ -562,7 +556,7 @@
           <p:cNvPr id="2" name="Vertical Title 1">
             <a:extLst>
               <a:ext uri="{FF2B5EF4-FFF2-40B4-BE49-F238E27FC236}">
-                <a16:creationId xmlns:a16="http://schemas.microsoft.com/office/drawing/2014/main" id="{9086D0F6-994A-2F20-BEDC-FC53AA8F852F}"/>
+                <a16:creationId xmlns:a16="http://schemas.microsoft.com/office/drawing/2014/main" id="{D5DCB1A0-CF12-F81D-F474-B79CE81AD7ED}"/>
               </a:ext>
             </a:extLst>
           </p:cNvPr>
@@ -595,7 +589,7 @@
           <p:cNvPr id="3" name="Vertical Text Placeholder 2">
             <a:extLst>
               <a:ext uri="{FF2B5EF4-FFF2-40B4-BE49-F238E27FC236}">
-                <a16:creationId xmlns:a16="http://schemas.microsoft.com/office/drawing/2014/main" id="{E3179076-0C83-D0F0-4718-03FFE37A9C9F}"/>
+                <a16:creationId xmlns:a16="http://schemas.microsoft.com/office/drawing/2014/main" id="{74A18E55-6441-C902-1279-83834D992057}"/>
               </a:ext>
             </a:extLst>
           </p:cNvPr>
@@ -657,7 +651,7 @@
           <p:cNvPr id="4" name="Date Placeholder 3">
             <a:extLst>
               <a:ext uri="{FF2B5EF4-FFF2-40B4-BE49-F238E27FC236}">
-                <a16:creationId xmlns:a16="http://schemas.microsoft.com/office/drawing/2014/main" id="{85069315-B39A-2BBA-6440-2E0701E1451D}"/>
+                <a16:creationId xmlns:a16="http://schemas.microsoft.com/office/drawing/2014/main" id="{FE5B0005-9ED5-E933-3F78-4E6B203E3D9B}"/>
               </a:ext>
             </a:extLst>
           </p:cNvPr>
@@ -673,7 +667,7 @@
           <a:bodyPr/>
           <a:lstStyle/>
           <a:p>
-            <a:fld id="{0EA4EB22-5356-4DE4-8605-95DA6F1F12A7}" type="datetimeFigureOut">
+            <a:fld id="{E1856488-4F7B-40FA-9EE2-B0F25D0506F5}" type="datetimeFigureOut">
               <a:rPr lang="en-US" smtClean="0"/>
               <a:t>12/22/2022</a:t>
             </a:fld>
@@ -686,7 +680,7 @@
           <p:cNvPr id="5" name="Footer Placeholder 4">
             <a:extLst>
               <a:ext uri="{FF2B5EF4-FFF2-40B4-BE49-F238E27FC236}">
-                <a16:creationId xmlns:a16="http://schemas.microsoft.com/office/drawing/2014/main" id="{C3B68F13-B845-57B2-9796-4F4A970E20E5}"/>
+                <a16:creationId xmlns:a16="http://schemas.microsoft.com/office/drawing/2014/main" id="{00CA8B0B-5DEC-87B8-3D96-F6D23D682CDC}"/>
               </a:ext>
             </a:extLst>
           </p:cNvPr>
@@ -711,7 +705,7 @@
           <p:cNvPr id="6" name="Slide Number Placeholder 5">
             <a:extLst>
               <a:ext uri="{FF2B5EF4-FFF2-40B4-BE49-F238E27FC236}">
-                <a16:creationId xmlns:a16="http://schemas.microsoft.com/office/drawing/2014/main" id="{DCE87354-3149-7426-07D1-EB32E1655483}"/>
+                <a16:creationId xmlns:a16="http://schemas.microsoft.com/office/drawing/2014/main" id="{5C6EA587-194B-2935-ECF3-FA80AC3C5B17}"/>
               </a:ext>
             </a:extLst>
           </p:cNvPr>
@@ -727,7 +721,7 @@
           <a:bodyPr/>
           <a:lstStyle/>
           <a:p>
-            <a:fld id="{6CE4EEF9-9FA5-4B3D-A36E-47DE31F92B0F}" type="slidenum">
+            <a:fld id="{FBE3CD3C-D0ED-4948-A9BA-6207E2BFB767}" type="slidenum">
               <a:rPr lang="en-US" smtClean="0"/>
               <a:t>‹#›</a:t>
             </a:fld>
@@ -738,7 +732,7 @@
     </p:spTree>
     <p:extLst>
       <p:ext uri="{BB962C8B-B14F-4D97-AF65-F5344CB8AC3E}">
-        <p14:creationId xmlns:p14="http://schemas.microsoft.com/office/powerpoint/2010/main" val="2203079900"/>
+        <p14:creationId xmlns:p14="http://schemas.microsoft.com/office/powerpoint/2010/main" val="1580336520"/>
       </p:ext>
     </p:extLst>
   </p:cSld>
@@ -770,7 +764,7 @@
           <p:cNvPr id="2" name="Title 1">
             <a:extLst>
               <a:ext uri="{FF2B5EF4-FFF2-40B4-BE49-F238E27FC236}">
-                <a16:creationId xmlns:a16="http://schemas.microsoft.com/office/drawing/2014/main" id="{2EA900BD-5CC9-5697-0CE6-173A3C11A386}"/>
+                <a16:creationId xmlns:a16="http://schemas.microsoft.com/office/drawing/2014/main" id="{82130BBE-FDFC-A06E-F02E-8DD64F21667B}"/>
               </a:ext>
             </a:extLst>
           </p:cNvPr>
@@ -798,7 +792,7 @@
           <p:cNvPr id="3" name="Content Placeholder 2">
             <a:extLst>
               <a:ext uri="{FF2B5EF4-FFF2-40B4-BE49-F238E27FC236}">
-                <a16:creationId xmlns:a16="http://schemas.microsoft.com/office/drawing/2014/main" id="{39824272-3268-0ED9-9819-990A7D4059E1}"/>
+                <a16:creationId xmlns:a16="http://schemas.microsoft.com/office/drawing/2014/main" id="{554ABC37-56BF-E374-AED5-1E65EA8E8F31}"/>
               </a:ext>
             </a:extLst>
           </p:cNvPr>
@@ -855,7 +849,7 @@
           <p:cNvPr id="4" name="Date Placeholder 3">
             <a:extLst>
               <a:ext uri="{FF2B5EF4-FFF2-40B4-BE49-F238E27FC236}">
-                <a16:creationId xmlns:a16="http://schemas.microsoft.com/office/drawing/2014/main" id="{184CC366-0115-E30E-461A-1BD2DFE7E7E0}"/>
+                <a16:creationId xmlns:a16="http://schemas.microsoft.com/office/drawing/2014/main" id="{75E1D558-489A-47E3-A775-3BD12A6A03BB}"/>
               </a:ext>
             </a:extLst>
           </p:cNvPr>
@@ -871,7 +865,7 @@
           <a:bodyPr/>
           <a:lstStyle/>
           <a:p>
-            <a:fld id="{0EA4EB22-5356-4DE4-8605-95DA6F1F12A7}" type="datetimeFigureOut">
+            <a:fld id="{E1856488-4F7B-40FA-9EE2-B0F25D0506F5}" type="datetimeFigureOut">
               <a:rPr lang="en-US" smtClean="0"/>
               <a:t>12/22/2022</a:t>
             </a:fld>
@@ -884,7 +878,7 @@
           <p:cNvPr id="5" name="Footer Placeholder 4">
             <a:extLst>
               <a:ext uri="{FF2B5EF4-FFF2-40B4-BE49-F238E27FC236}">
-                <a16:creationId xmlns:a16="http://schemas.microsoft.com/office/drawing/2014/main" id="{EC33A70C-5E74-A485-D451-02925A8FCF95}"/>
+                <a16:creationId xmlns:a16="http://schemas.microsoft.com/office/drawing/2014/main" id="{C0D7B7C9-66D5-4977-7C8D-5FF3F6879B37}"/>
               </a:ext>
             </a:extLst>
           </p:cNvPr>
@@ -909,7 +903,7 @@
           <p:cNvPr id="6" name="Slide Number Placeholder 5">
             <a:extLst>
               <a:ext uri="{FF2B5EF4-FFF2-40B4-BE49-F238E27FC236}">
-                <a16:creationId xmlns:a16="http://schemas.microsoft.com/office/drawing/2014/main" id="{B40E234F-1D95-29A8-238E-04B3693C9B3D}"/>
+                <a16:creationId xmlns:a16="http://schemas.microsoft.com/office/drawing/2014/main" id="{5248072A-7A77-05E2-324D-731882051AEB}"/>
               </a:ext>
             </a:extLst>
           </p:cNvPr>
@@ -925,7 +919,7 @@
           <a:bodyPr/>
           <a:lstStyle/>
           <a:p>
-            <a:fld id="{6CE4EEF9-9FA5-4B3D-A36E-47DE31F92B0F}" type="slidenum">
+            <a:fld id="{FBE3CD3C-D0ED-4948-A9BA-6207E2BFB767}" type="slidenum">
               <a:rPr lang="en-US" smtClean="0"/>
               <a:t>‹#›</a:t>
             </a:fld>
@@ -936,7 +930,7 @@
     </p:spTree>
     <p:extLst>
       <p:ext uri="{BB962C8B-B14F-4D97-AF65-F5344CB8AC3E}">
-        <p14:creationId xmlns:p14="http://schemas.microsoft.com/office/powerpoint/2010/main" val="2830419924"/>
+        <p14:creationId xmlns:p14="http://schemas.microsoft.com/office/powerpoint/2010/main" val="2184227213"/>
       </p:ext>
     </p:extLst>
   </p:cSld>
@@ -968,7 +962,7 @@
           <p:cNvPr id="2" name="Title 1">
             <a:extLst>
               <a:ext uri="{FF2B5EF4-FFF2-40B4-BE49-F238E27FC236}">
-                <a16:creationId xmlns:a16="http://schemas.microsoft.com/office/drawing/2014/main" id="{8E07DA62-579E-7370-AEF9-8C5A16A442B6}"/>
+                <a16:creationId xmlns:a16="http://schemas.microsoft.com/office/drawing/2014/main" id="{86731319-E08D-05ED-C087-474A7862FAD3}"/>
               </a:ext>
             </a:extLst>
           </p:cNvPr>
@@ -1005,7 +999,7 @@
           <p:cNvPr id="3" name="Text Placeholder 2">
             <a:extLst>
               <a:ext uri="{FF2B5EF4-FFF2-40B4-BE49-F238E27FC236}">
-                <a16:creationId xmlns:a16="http://schemas.microsoft.com/office/drawing/2014/main" id="{B59505C2-481E-5263-2FB1-70683E3912E3}"/>
+                <a16:creationId xmlns:a16="http://schemas.microsoft.com/office/drawing/2014/main" id="{D722ED5C-AACC-A65A-C6C5-BE19FA343AEB}"/>
               </a:ext>
             </a:extLst>
           </p:cNvPr>
@@ -1130,7 +1124,7 @@
           <p:cNvPr id="4" name="Date Placeholder 3">
             <a:extLst>
               <a:ext uri="{FF2B5EF4-FFF2-40B4-BE49-F238E27FC236}">
-                <a16:creationId xmlns:a16="http://schemas.microsoft.com/office/drawing/2014/main" id="{51D931D1-BA36-97CA-93DD-65228EA7FCC1}"/>
+                <a16:creationId xmlns:a16="http://schemas.microsoft.com/office/drawing/2014/main" id="{60389EAB-C85A-AF1D-8617-67443081630C}"/>
               </a:ext>
             </a:extLst>
           </p:cNvPr>
@@ -1146,7 +1140,7 @@
           <a:bodyPr/>
           <a:lstStyle/>
           <a:p>
-            <a:fld id="{0EA4EB22-5356-4DE4-8605-95DA6F1F12A7}" type="datetimeFigureOut">
+            <a:fld id="{E1856488-4F7B-40FA-9EE2-B0F25D0506F5}" type="datetimeFigureOut">
               <a:rPr lang="en-US" smtClean="0"/>
               <a:t>12/22/2022</a:t>
             </a:fld>
@@ -1159,7 +1153,7 @@
           <p:cNvPr id="5" name="Footer Placeholder 4">
             <a:extLst>
               <a:ext uri="{FF2B5EF4-FFF2-40B4-BE49-F238E27FC236}">
-                <a16:creationId xmlns:a16="http://schemas.microsoft.com/office/drawing/2014/main" id="{C35E3469-4D47-00B0-8164-6A2B27037B65}"/>
+                <a16:creationId xmlns:a16="http://schemas.microsoft.com/office/drawing/2014/main" id="{2B06D362-FA09-5DBC-036B-DA9051395816}"/>
               </a:ext>
             </a:extLst>
           </p:cNvPr>
@@ -1184,7 +1178,7 @@
           <p:cNvPr id="6" name="Slide Number Placeholder 5">
             <a:extLst>
               <a:ext uri="{FF2B5EF4-FFF2-40B4-BE49-F238E27FC236}">
-                <a16:creationId xmlns:a16="http://schemas.microsoft.com/office/drawing/2014/main" id="{165D71D4-C732-D305-F2BD-E6D50FEC22FF}"/>
+                <a16:creationId xmlns:a16="http://schemas.microsoft.com/office/drawing/2014/main" id="{06EB1926-B06D-0E61-08FE-2D45E092F19F}"/>
               </a:ext>
             </a:extLst>
           </p:cNvPr>
@@ -1200,7 +1194,7 @@
           <a:bodyPr/>
           <a:lstStyle/>
           <a:p>
-            <a:fld id="{6CE4EEF9-9FA5-4B3D-A36E-47DE31F92B0F}" type="slidenum">
+            <a:fld id="{FBE3CD3C-D0ED-4948-A9BA-6207E2BFB767}" type="slidenum">
               <a:rPr lang="en-US" smtClean="0"/>
               <a:t>‹#›</a:t>
             </a:fld>
@@ -1211,7 +1205,7 @@
     </p:spTree>
     <p:extLst>
       <p:ext uri="{BB962C8B-B14F-4D97-AF65-F5344CB8AC3E}">
-        <p14:creationId xmlns:p14="http://schemas.microsoft.com/office/powerpoint/2010/main" val="4161379547"/>
+        <p14:creationId xmlns:p14="http://schemas.microsoft.com/office/powerpoint/2010/main" val="1209919387"/>
       </p:ext>
     </p:extLst>
   </p:cSld>
@@ -1243,7 +1237,7 @@
           <p:cNvPr id="2" name="Title 1">
             <a:extLst>
               <a:ext uri="{FF2B5EF4-FFF2-40B4-BE49-F238E27FC236}">
-                <a16:creationId xmlns:a16="http://schemas.microsoft.com/office/drawing/2014/main" id="{26C74E02-5EEC-A902-B84C-3FDEBF8E5A38}"/>
+                <a16:creationId xmlns:a16="http://schemas.microsoft.com/office/drawing/2014/main" id="{DE8FF128-0B35-11A1-40CC-72AA386AC638}"/>
               </a:ext>
             </a:extLst>
           </p:cNvPr>
@@ -1271,7 +1265,7 @@
           <p:cNvPr id="3" name="Content Placeholder 2">
             <a:extLst>
               <a:ext uri="{FF2B5EF4-FFF2-40B4-BE49-F238E27FC236}">
-                <a16:creationId xmlns:a16="http://schemas.microsoft.com/office/drawing/2014/main" id="{1726E677-4141-0972-18D7-4B4AF9419D6D}"/>
+                <a16:creationId xmlns:a16="http://schemas.microsoft.com/office/drawing/2014/main" id="{8A3804C5-8CC4-5951-48B6-3C2600BC9217}"/>
               </a:ext>
             </a:extLst>
           </p:cNvPr>
@@ -1333,7 +1327,7 @@
           <p:cNvPr id="4" name="Content Placeholder 3">
             <a:extLst>
               <a:ext uri="{FF2B5EF4-FFF2-40B4-BE49-F238E27FC236}">
-                <a16:creationId xmlns:a16="http://schemas.microsoft.com/office/drawing/2014/main" id="{F423E46A-1493-8854-AF38-07BAA16C89C6}"/>
+                <a16:creationId xmlns:a16="http://schemas.microsoft.com/office/drawing/2014/main" id="{5A9D0CF6-254F-AB19-EA78-447D0268229F}"/>
               </a:ext>
             </a:extLst>
           </p:cNvPr>
@@ -1395,7 +1389,7 @@
           <p:cNvPr id="5" name="Date Placeholder 4">
             <a:extLst>
               <a:ext uri="{FF2B5EF4-FFF2-40B4-BE49-F238E27FC236}">
-                <a16:creationId xmlns:a16="http://schemas.microsoft.com/office/drawing/2014/main" id="{F409FA62-0C79-4A78-0906-1EE8FA8C3799}"/>
+                <a16:creationId xmlns:a16="http://schemas.microsoft.com/office/drawing/2014/main" id="{12084F79-83FF-C01E-311E-CFC1359CDA29}"/>
               </a:ext>
             </a:extLst>
           </p:cNvPr>
@@ -1411,7 +1405,7 @@
           <a:bodyPr/>
           <a:lstStyle/>
           <a:p>
-            <a:fld id="{0EA4EB22-5356-4DE4-8605-95DA6F1F12A7}" type="datetimeFigureOut">
+            <a:fld id="{E1856488-4F7B-40FA-9EE2-B0F25D0506F5}" type="datetimeFigureOut">
               <a:rPr lang="en-US" smtClean="0"/>
               <a:t>12/22/2022</a:t>
             </a:fld>
@@ -1424,7 +1418,7 @@
           <p:cNvPr id="6" name="Footer Placeholder 5">
             <a:extLst>
               <a:ext uri="{FF2B5EF4-FFF2-40B4-BE49-F238E27FC236}">
-                <a16:creationId xmlns:a16="http://schemas.microsoft.com/office/drawing/2014/main" id="{9087B06D-3305-1958-5C1B-4E1CA39E0075}"/>
+                <a16:creationId xmlns:a16="http://schemas.microsoft.com/office/drawing/2014/main" id="{997B6AEA-CC99-F9CA-BBE7-35D33384BF1A}"/>
               </a:ext>
             </a:extLst>
           </p:cNvPr>
@@ -1449,7 +1443,7 @@
           <p:cNvPr id="7" name="Slide Number Placeholder 6">
             <a:extLst>
               <a:ext uri="{FF2B5EF4-FFF2-40B4-BE49-F238E27FC236}">
-                <a16:creationId xmlns:a16="http://schemas.microsoft.com/office/drawing/2014/main" id="{2A519206-09A5-D8E0-DBC6-FA9D110118D1}"/>
+                <a16:creationId xmlns:a16="http://schemas.microsoft.com/office/drawing/2014/main" id="{DDC78C06-8B35-9501-B360-0DE0B920D0EB}"/>
               </a:ext>
             </a:extLst>
           </p:cNvPr>
@@ -1465,7 +1459,7 @@
           <a:bodyPr/>
           <a:lstStyle/>
           <a:p>
-            <a:fld id="{6CE4EEF9-9FA5-4B3D-A36E-47DE31F92B0F}" type="slidenum">
+            <a:fld id="{FBE3CD3C-D0ED-4948-A9BA-6207E2BFB767}" type="slidenum">
               <a:rPr lang="en-US" smtClean="0"/>
               <a:t>‹#›</a:t>
             </a:fld>
@@ -1476,7 +1470,7 @@
     </p:spTree>
     <p:extLst>
       <p:ext uri="{BB962C8B-B14F-4D97-AF65-F5344CB8AC3E}">
-        <p14:creationId xmlns:p14="http://schemas.microsoft.com/office/powerpoint/2010/main" val="2643888294"/>
+        <p14:creationId xmlns:p14="http://schemas.microsoft.com/office/powerpoint/2010/main" val="1622648233"/>
       </p:ext>
     </p:extLst>
   </p:cSld>
@@ -1508,7 +1502,7 @@
           <p:cNvPr id="2" name="Title 1">
             <a:extLst>
               <a:ext uri="{FF2B5EF4-FFF2-40B4-BE49-F238E27FC236}">
-                <a16:creationId xmlns:a16="http://schemas.microsoft.com/office/drawing/2014/main" id="{8C4BB49C-29BF-6353-2AAE-3359381F4207}"/>
+                <a16:creationId xmlns:a16="http://schemas.microsoft.com/office/drawing/2014/main" id="{C980EAA0-8C96-42EB-C165-4B3D67E44B5D}"/>
               </a:ext>
             </a:extLst>
           </p:cNvPr>
@@ -1541,7 +1535,7 @@
           <p:cNvPr id="3" name="Text Placeholder 2">
             <a:extLst>
               <a:ext uri="{FF2B5EF4-FFF2-40B4-BE49-F238E27FC236}">
-                <a16:creationId xmlns:a16="http://schemas.microsoft.com/office/drawing/2014/main" id="{94D54A6E-F8EA-23E5-EEAE-8AB2277BB5E2}"/>
+                <a16:creationId xmlns:a16="http://schemas.microsoft.com/office/drawing/2014/main" id="{C0328AB9-F499-B665-3042-13F9BD860DE5}"/>
               </a:ext>
             </a:extLst>
           </p:cNvPr>
@@ -1612,7 +1606,7 @@
           <p:cNvPr id="4" name="Content Placeholder 3">
             <a:extLst>
               <a:ext uri="{FF2B5EF4-FFF2-40B4-BE49-F238E27FC236}">
-                <a16:creationId xmlns:a16="http://schemas.microsoft.com/office/drawing/2014/main" id="{B26BF8F5-29CB-6839-C371-E21E3C3C22B4}"/>
+                <a16:creationId xmlns:a16="http://schemas.microsoft.com/office/drawing/2014/main" id="{886F3A67-4ADC-C721-3DD5-D6482BC7E537}"/>
               </a:ext>
             </a:extLst>
           </p:cNvPr>
@@ -1674,7 +1668,7 @@
           <p:cNvPr id="5" name="Text Placeholder 4">
             <a:extLst>
               <a:ext uri="{FF2B5EF4-FFF2-40B4-BE49-F238E27FC236}">
-                <a16:creationId xmlns:a16="http://schemas.microsoft.com/office/drawing/2014/main" id="{B9F60C56-7308-1796-B721-3C5C5BDD3801}"/>
+                <a16:creationId xmlns:a16="http://schemas.microsoft.com/office/drawing/2014/main" id="{0DC3C98E-F0C0-0320-C3DE-93D417A0EDD6}"/>
               </a:ext>
             </a:extLst>
           </p:cNvPr>
@@ -1745,7 +1739,7 @@
           <p:cNvPr id="6" name="Content Placeholder 5">
             <a:extLst>
               <a:ext uri="{FF2B5EF4-FFF2-40B4-BE49-F238E27FC236}">
-                <a16:creationId xmlns:a16="http://schemas.microsoft.com/office/drawing/2014/main" id="{3FA08103-D128-14CE-D1EB-E32AE41F29E3}"/>
+                <a16:creationId xmlns:a16="http://schemas.microsoft.com/office/drawing/2014/main" id="{82DB8E51-14A9-7951-1E49-963D39405F5A}"/>
               </a:ext>
             </a:extLst>
           </p:cNvPr>
@@ -1807,7 +1801,7 @@
           <p:cNvPr id="7" name="Date Placeholder 6">
             <a:extLst>
               <a:ext uri="{FF2B5EF4-FFF2-40B4-BE49-F238E27FC236}">
-                <a16:creationId xmlns:a16="http://schemas.microsoft.com/office/drawing/2014/main" id="{4537A4D4-D354-3D21-DFBD-3D93E1CB3018}"/>
+                <a16:creationId xmlns:a16="http://schemas.microsoft.com/office/drawing/2014/main" id="{E42F0C47-73A0-E7AD-4883-D9B46B59BFB1}"/>
               </a:ext>
             </a:extLst>
           </p:cNvPr>
@@ -1823,7 +1817,7 @@
           <a:bodyPr/>
           <a:lstStyle/>
           <a:p>
-            <a:fld id="{0EA4EB22-5356-4DE4-8605-95DA6F1F12A7}" type="datetimeFigureOut">
+            <a:fld id="{E1856488-4F7B-40FA-9EE2-B0F25D0506F5}" type="datetimeFigureOut">
               <a:rPr lang="en-US" smtClean="0"/>
               <a:t>12/22/2022</a:t>
             </a:fld>
@@ -1836,7 +1830,7 @@
           <p:cNvPr id="8" name="Footer Placeholder 7">
             <a:extLst>
               <a:ext uri="{FF2B5EF4-FFF2-40B4-BE49-F238E27FC236}">
-                <a16:creationId xmlns:a16="http://schemas.microsoft.com/office/drawing/2014/main" id="{94046501-CA9F-341D-0594-B66EA9880CF3}"/>
+                <a16:creationId xmlns:a16="http://schemas.microsoft.com/office/drawing/2014/main" id="{F9205EAC-6054-4588-71C2-A219DADCE702}"/>
               </a:ext>
             </a:extLst>
           </p:cNvPr>
@@ -1861,7 +1855,7 @@
           <p:cNvPr id="9" name="Slide Number Placeholder 8">
             <a:extLst>
               <a:ext uri="{FF2B5EF4-FFF2-40B4-BE49-F238E27FC236}">
-                <a16:creationId xmlns:a16="http://schemas.microsoft.com/office/drawing/2014/main" id="{CBE86EC3-9B03-29B3-2BC5-ED263CC53AEC}"/>
+                <a16:creationId xmlns:a16="http://schemas.microsoft.com/office/drawing/2014/main" id="{767F3B93-B3D4-00EC-AFCB-0E108D5512B9}"/>
               </a:ext>
             </a:extLst>
           </p:cNvPr>
@@ -1877,7 +1871,7 @@
           <a:bodyPr/>
           <a:lstStyle/>
           <a:p>
-            <a:fld id="{6CE4EEF9-9FA5-4B3D-A36E-47DE31F92B0F}" type="slidenum">
+            <a:fld id="{FBE3CD3C-D0ED-4948-A9BA-6207E2BFB767}" type="slidenum">
               <a:rPr lang="en-US" smtClean="0"/>
               <a:t>‹#›</a:t>
             </a:fld>
@@ -1888,7 +1882,7 @@
     </p:spTree>
     <p:extLst>
       <p:ext uri="{BB962C8B-B14F-4D97-AF65-F5344CB8AC3E}">
-        <p14:creationId xmlns:p14="http://schemas.microsoft.com/office/powerpoint/2010/main" val="2245822121"/>
+        <p14:creationId xmlns:p14="http://schemas.microsoft.com/office/powerpoint/2010/main" val="584610513"/>
       </p:ext>
     </p:extLst>
   </p:cSld>
@@ -1920,7 +1914,7 @@
           <p:cNvPr id="2" name="Title 1">
             <a:extLst>
               <a:ext uri="{FF2B5EF4-FFF2-40B4-BE49-F238E27FC236}">
-                <a16:creationId xmlns:a16="http://schemas.microsoft.com/office/drawing/2014/main" id="{F0762820-0DFC-950B-35CD-6348DEA485CB}"/>
+                <a16:creationId xmlns:a16="http://schemas.microsoft.com/office/drawing/2014/main" id="{C34E5A08-4B05-B8DF-0044-D9E056B71EBD}"/>
               </a:ext>
             </a:extLst>
           </p:cNvPr>
@@ -1948,7 +1942,7 @@
           <p:cNvPr id="3" name="Date Placeholder 2">
             <a:extLst>
               <a:ext uri="{FF2B5EF4-FFF2-40B4-BE49-F238E27FC236}">
-                <a16:creationId xmlns:a16="http://schemas.microsoft.com/office/drawing/2014/main" id="{F5DD57B0-600D-B1C1-294D-A1F86B844378}"/>
+                <a16:creationId xmlns:a16="http://schemas.microsoft.com/office/drawing/2014/main" id="{02E1BE45-DC41-8A78-4073-E6876C7AE245}"/>
               </a:ext>
             </a:extLst>
           </p:cNvPr>
@@ -1964,7 +1958,7 @@
           <a:bodyPr/>
           <a:lstStyle/>
           <a:p>
-            <a:fld id="{0EA4EB22-5356-4DE4-8605-95DA6F1F12A7}" type="datetimeFigureOut">
+            <a:fld id="{E1856488-4F7B-40FA-9EE2-B0F25D0506F5}" type="datetimeFigureOut">
               <a:rPr lang="en-US" smtClean="0"/>
               <a:t>12/22/2022</a:t>
             </a:fld>
@@ -1977,7 +1971,7 @@
           <p:cNvPr id="4" name="Footer Placeholder 3">
             <a:extLst>
               <a:ext uri="{FF2B5EF4-FFF2-40B4-BE49-F238E27FC236}">
-                <a16:creationId xmlns:a16="http://schemas.microsoft.com/office/drawing/2014/main" id="{6B70632B-58ED-3AD1-7F62-12014E5A5328}"/>
+                <a16:creationId xmlns:a16="http://schemas.microsoft.com/office/drawing/2014/main" id="{23518668-1DA9-62DD-0CF2-19C65570762D}"/>
               </a:ext>
             </a:extLst>
           </p:cNvPr>
@@ -2002,7 +1996,7 @@
           <p:cNvPr id="5" name="Slide Number Placeholder 4">
             <a:extLst>
               <a:ext uri="{FF2B5EF4-FFF2-40B4-BE49-F238E27FC236}">
-                <a16:creationId xmlns:a16="http://schemas.microsoft.com/office/drawing/2014/main" id="{1EE258FC-D7CA-E2AD-6E14-44AB199A1D47}"/>
+                <a16:creationId xmlns:a16="http://schemas.microsoft.com/office/drawing/2014/main" id="{70FB40C4-B986-B414-6C03-6FA144698778}"/>
               </a:ext>
             </a:extLst>
           </p:cNvPr>
@@ -2018,7 +2012,7 @@
           <a:bodyPr/>
           <a:lstStyle/>
           <a:p>
-            <a:fld id="{6CE4EEF9-9FA5-4B3D-A36E-47DE31F92B0F}" type="slidenum">
+            <a:fld id="{FBE3CD3C-D0ED-4948-A9BA-6207E2BFB767}" type="slidenum">
               <a:rPr lang="en-US" smtClean="0"/>
               <a:t>‹#›</a:t>
             </a:fld>
@@ -2029,7 +2023,7 @@
     </p:spTree>
     <p:extLst>
       <p:ext uri="{BB962C8B-B14F-4D97-AF65-F5344CB8AC3E}">
-        <p14:creationId xmlns:p14="http://schemas.microsoft.com/office/powerpoint/2010/main" val="3446006640"/>
+        <p14:creationId xmlns:p14="http://schemas.microsoft.com/office/powerpoint/2010/main" val="1818887214"/>
       </p:ext>
     </p:extLst>
   </p:cSld>
@@ -2061,7 +2055,7 @@
           <p:cNvPr id="2" name="Date Placeholder 1">
             <a:extLst>
               <a:ext uri="{FF2B5EF4-FFF2-40B4-BE49-F238E27FC236}">
-                <a16:creationId xmlns:a16="http://schemas.microsoft.com/office/drawing/2014/main" id="{99A2D57E-EFD0-24C4-D964-904B6595F580}"/>
+                <a16:creationId xmlns:a16="http://schemas.microsoft.com/office/drawing/2014/main" id="{BA205FD5-3ED9-BBC0-FB2C-67134AD1B28B}"/>
               </a:ext>
             </a:extLst>
           </p:cNvPr>
@@ -2077,7 +2071,7 @@
           <a:bodyPr/>
           <a:lstStyle/>
           <a:p>
-            <a:fld id="{0EA4EB22-5356-4DE4-8605-95DA6F1F12A7}" type="datetimeFigureOut">
+            <a:fld id="{E1856488-4F7B-40FA-9EE2-B0F25D0506F5}" type="datetimeFigureOut">
               <a:rPr lang="en-US" smtClean="0"/>
               <a:t>12/22/2022</a:t>
             </a:fld>
@@ -2090,7 +2084,7 @@
           <p:cNvPr id="3" name="Footer Placeholder 2">
             <a:extLst>
               <a:ext uri="{FF2B5EF4-FFF2-40B4-BE49-F238E27FC236}">
-                <a16:creationId xmlns:a16="http://schemas.microsoft.com/office/drawing/2014/main" id="{5289D1F2-AE7C-4FA8-DC27-BFB03844E285}"/>
+                <a16:creationId xmlns:a16="http://schemas.microsoft.com/office/drawing/2014/main" id="{F4BE7580-76DB-E3EA-93ED-91D3A633CDAF}"/>
               </a:ext>
             </a:extLst>
           </p:cNvPr>
@@ -2115,7 +2109,7 @@
           <p:cNvPr id="4" name="Slide Number Placeholder 3">
             <a:extLst>
               <a:ext uri="{FF2B5EF4-FFF2-40B4-BE49-F238E27FC236}">
-                <a16:creationId xmlns:a16="http://schemas.microsoft.com/office/drawing/2014/main" id="{301B0E73-0839-E5DF-7792-D9AB3BD84E59}"/>
+                <a16:creationId xmlns:a16="http://schemas.microsoft.com/office/drawing/2014/main" id="{7FAB76EE-5AB2-4A99-2FB5-FD8E8E42B7FB}"/>
               </a:ext>
             </a:extLst>
           </p:cNvPr>
@@ -2131,7 +2125,7 @@
           <a:bodyPr/>
           <a:lstStyle/>
           <a:p>
-            <a:fld id="{6CE4EEF9-9FA5-4B3D-A36E-47DE31F92B0F}" type="slidenum">
+            <a:fld id="{FBE3CD3C-D0ED-4948-A9BA-6207E2BFB767}" type="slidenum">
               <a:rPr lang="en-US" smtClean="0"/>
               <a:t>‹#›</a:t>
             </a:fld>
@@ -2142,7 +2136,7 @@
     </p:spTree>
     <p:extLst>
       <p:ext uri="{BB962C8B-B14F-4D97-AF65-F5344CB8AC3E}">
-        <p14:creationId xmlns:p14="http://schemas.microsoft.com/office/powerpoint/2010/main" val="4047995250"/>
+        <p14:creationId xmlns:p14="http://schemas.microsoft.com/office/powerpoint/2010/main" val="2637579205"/>
       </p:ext>
     </p:extLst>
   </p:cSld>
@@ -2174,7 +2168,7 @@
           <p:cNvPr id="2" name="Title 1">
             <a:extLst>
               <a:ext uri="{FF2B5EF4-FFF2-40B4-BE49-F238E27FC236}">
-                <a16:creationId xmlns:a16="http://schemas.microsoft.com/office/drawing/2014/main" id="{8973BC05-48FD-A501-3706-3A1FB2D03E8A}"/>
+                <a16:creationId xmlns:a16="http://schemas.microsoft.com/office/drawing/2014/main" id="{1E451BEB-833C-3207-BE09-0894396967F0}"/>
               </a:ext>
             </a:extLst>
           </p:cNvPr>
@@ -2211,7 +2205,7 @@
           <p:cNvPr id="3" name="Content Placeholder 2">
             <a:extLst>
               <a:ext uri="{FF2B5EF4-FFF2-40B4-BE49-F238E27FC236}">
-                <a16:creationId xmlns:a16="http://schemas.microsoft.com/office/drawing/2014/main" id="{11C4E551-2B2B-8522-4238-EFFEDC2FD477}"/>
+                <a16:creationId xmlns:a16="http://schemas.microsoft.com/office/drawing/2014/main" id="{E16206B4-D30E-7F1B-3886-04DEDBC6A702}"/>
               </a:ext>
             </a:extLst>
           </p:cNvPr>
@@ -2301,7 +2295,7 @@
           <p:cNvPr id="4" name="Text Placeholder 3">
             <a:extLst>
               <a:ext uri="{FF2B5EF4-FFF2-40B4-BE49-F238E27FC236}">
-                <a16:creationId xmlns:a16="http://schemas.microsoft.com/office/drawing/2014/main" id="{E6C63DB1-B821-EB9D-66A8-5FE086FB8E8B}"/>
+                <a16:creationId xmlns:a16="http://schemas.microsoft.com/office/drawing/2014/main" id="{99A7732A-50F5-D814-86FE-6E4098D92BE1}"/>
               </a:ext>
             </a:extLst>
           </p:cNvPr>
@@ -2372,7 +2366,7 @@
           <p:cNvPr id="5" name="Date Placeholder 4">
             <a:extLst>
               <a:ext uri="{FF2B5EF4-FFF2-40B4-BE49-F238E27FC236}">
-                <a16:creationId xmlns:a16="http://schemas.microsoft.com/office/drawing/2014/main" id="{B4B949B0-BEBA-9FAF-E732-E33E157073D3}"/>
+                <a16:creationId xmlns:a16="http://schemas.microsoft.com/office/drawing/2014/main" id="{F38619F5-D030-676D-B313-3F453008BA54}"/>
               </a:ext>
             </a:extLst>
           </p:cNvPr>
@@ -2388,7 +2382,7 @@
           <a:bodyPr/>
           <a:lstStyle/>
           <a:p>
-            <a:fld id="{0EA4EB22-5356-4DE4-8605-95DA6F1F12A7}" type="datetimeFigureOut">
+            <a:fld id="{E1856488-4F7B-40FA-9EE2-B0F25D0506F5}" type="datetimeFigureOut">
               <a:rPr lang="en-US" smtClean="0"/>
               <a:t>12/22/2022</a:t>
             </a:fld>
@@ -2401,7 +2395,7 @@
           <p:cNvPr id="6" name="Footer Placeholder 5">
             <a:extLst>
               <a:ext uri="{FF2B5EF4-FFF2-40B4-BE49-F238E27FC236}">
-                <a16:creationId xmlns:a16="http://schemas.microsoft.com/office/drawing/2014/main" id="{006AC9C5-0757-707C-2968-1C7668CB116B}"/>
+                <a16:creationId xmlns:a16="http://schemas.microsoft.com/office/drawing/2014/main" id="{28ED3FFD-974E-E52C-7ABB-9CE7F37EA1B0}"/>
               </a:ext>
             </a:extLst>
           </p:cNvPr>
@@ -2426,7 +2420,7 @@
           <p:cNvPr id="7" name="Slide Number Placeholder 6">
             <a:extLst>
               <a:ext uri="{FF2B5EF4-FFF2-40B4-BE49-F238E27FC236}">
-                <a16:creationId xmlns:a16="http://schemas.microsoft.com/office/drawing/2014/main" id="{D17A9978-D60D-EF77-08C6-E5833F9DBB9B}"/>
+                <a16:creationId xmlns:a16="http://schemas.microsoft.com/office/drawing/2014/main" id="{1EB8F2D3-6992-87F3-2DDE-198D45E63D57}"/>
               </a:ext>
             </a:extLst>
           </p:cNvPr>
@@ -2442,7 +2436,7 @@
           <a:bodyPr/>
           <a:lstStyle/>
           <a:p>
-            <a:fld id="{6CE4EEF9-9FA5-4B3D-A36E-47DE31F92B0F}" type="slidenum">
+            <a:fld id="{FBE3CD3C-D0ED-4948-A9BA-6207E2BFB767}" type="slidenum">
               <a:rPr lang="en-US" smtClean="0"/>
               <a:t>‹#›</a:t>
             </a:fld>
@@ -2453,7 +2447,7 @@
     </p:spTree>
     <p:extLst>
       <p:ext uri="{BB962C8B-B14F-4D97-AF65-F5344CB8AC3E}">
-        <p14:creationId xmlns:p14="http://schemas.microsoft.com/office/powerpoint/2010/main" val="1063086232"/>
+        <p14:creationId xmlns:p14="http://schemas.microsoft.com/office/powerpoint/2010/main" val="3979195103"/>
       </p:ext>
     </p:extLst>
   </p:cSld>
@@ -2485,7 +2479,7 @@
           <p:cNvPr id="2" name="Title 1">
             <a:extLst>
               <a:ext uri="{FF2B5EF4-FFF2-40B4-BE49-F238E27FC236}">
-                <a16:creationId xmlns:a16="http://schemas.microsoft.com/office/drawing/2014/main" id="{66D44FBE-A2C5-14B2-4075-3B7C6780F4FE}"/>
+                <a16:creationId xmlns:a16="http://schemas.microsoft.com/office/drawing/2014/main" id="{C7927536-AB71-4AD1-A5EA-AE168ABF4AF6}"/>
               </a:ext>
             </a:extLst>
           </p:cNvPr>
@@ -2522,7 +2516,7 @@
           <p:cNvPr id="3" name="Picture Placeholder 2">
             <a:extLst>
               <a:ext uri="{FF2B5EF4-FFF2-40B4-BE49-F238E27FC236}">
-                <a16:creationId xmlns:a16="http://schemas.microsoft.com/office/drawing/2014/main" id="{D3C543E5-182C-139F-0BC6-16B1A3DE31D9}"/>
+                <a16:creationId xmlns:a16="http://schemas.microsoft.com/office/drawing/2014/main" id="{0962C9B7-FF5B-505C-31D0-5BA4FDFC7AAE}"/>
               </a:ext>
             </a:extLst>
           </p:cNvPr>
@@ -2589,7 +2583,7 @@
           <p:cNvPr id="4" name="Text Placeholder 3">
             <a:extLst>
               <a:ext uri="{FF2B5EF4-FFF2-40B4-BE49-F238E27FC236}">
-                <a16:creationId xmlns:a16="http://schemas.microsoft.com/office/drawing/2014/main" id="{FD6207C9-07DB-3CA7-836D-98CC9BD4E365}"/>
+                <a16:creationId xmlns:a16="http://schemas.microsoft.com/office/drawing/2014/main" id="{A7BD51A2-A53B-F9A8-B0F7-6624E5C0983F}"/>
               </a:ext>
             </a:extLst>
           </p:cNvPr>
@@ -2660,7 +2654,7 @@
           <p:cNvPr id="5" name="Date Placeholder 4">
             <a:extLst>
               <a:ext uri="{FF2B5EF4-FFF2-40B4-BE49-F238E27FC236}">
-                <a16:creationId xmlns:a16="http://schemas.microsoft.com/office/drawing/2014/main" id="{1378469A-44A4-897D-D419-D82C6F1F25F0}"/>
+                <a16:creationId xmlns:a16="http://schemas.microsoft.com/office/drawing/2014/main" id="{91E96924-DEF0-386A-97C0-42178732C5FD}"/>
               </a:ext>
             </a:extLst>
           </p:cNvPr>
@@ -2676,7 +2670,7 @@
           <a:bodyPr/>
           <a:lstStyle/>
           <a:p>
-            <a:fld id="{0EA4EB22-5356-4DE4-8605-95DA6F1F12A7}" type="datetimeFigureOut">
+            <a:fld id="{E1856488-4F7B-40FA-9EE2-B0F25D0506F5}" type="datetimeFigureOut">
               <a:rPr lang="en-US" smtClean="0"/>
               <a:t>12/22/2022</a:t>
             </a:fld>
@@ -2689,7 +2683,7 @@
           <p:cNvPr id="6" name="Footer Placeholder 5">
             <a:extLst>
               <a:ext uri="{FF2B5EF4-FFF2-40B4-BE49-F238E27FC236}">
-                <a16:creationId xmlns:a16="http://schemas.microsoft.com/office/drawing/2014/main" id="{7D80209C-8267-C925-FCCF-1F1952A163CF}"/>
+                <a16:creationId xmlns:a16="http://schemas.microsoft.com/office/drawing/2014/main" id="{02DF1AAE-F683-A958-705D-2A78E764023B}"/>
               </a:ext>
             </a:extLst>
           </p:cNvPr>
@@ -2714,7 +2708,7 @@
           <p:cNvPr id="7" name="Slide Number Placeholder 6">
             <a:extLst>
               <a:ext uri="{FF2B5EF4-FFF2-40B4-BE49-F238E27FC236}">
-                <a16:creationId xmlns:a16="http://schemas.microsoft.com/office/drawing/2014/main" id="{3018914A-D717-DE0C-CA11-E252E117435F}"/>
+                <a16:creationId xmlns:a16="http://schemas.microsoft.com/office/drawing/2014/main" id="{11EC9E8B-1D04-6BF8-A4A8-619A2162BCFA}"/>
               </a:ext>
             </a:extLst>
           </p:cNvPr>
@@ -2730,7 +2724,7 @@
           <a:bodyPr/>
           <a:lstStyle/>
           <a:p>
-            <a:fld id="{6CE4EEF9-9FA5-4B3D-A36E-47DE31F92B0F}" type="slidenum">
+            <a:fld id="{FBE3CD3C-D0ED-4948-A9BA-6207E2BFB767}" type="slidenum">
               <a:rPr lang="en-US" smtClean="0"/>
               <a:t>‹#›</a:t>
             </a:fld>
@@ -2741,7 +2735,7 @@
     </p:spTree>
     <p:extLst>
       <p:ext uri="{BB962C8B-B14F-4D97-AF65-F5344CB8AC3E}">
-        <p14:creationId xmlns:p14="http://schemas.microsoft.com/office/powerpoint/2010/main" val="1896068468"/>
+        <p14:creationId xmlns:p14="http://schemas.microsoft.com/office/powerpoint/2010/main" val="213566391"/>
       </p:ext>
     </p:extLst>
   </p:cSld>
@@ -2778,7 +2772,7 @@
           <p:cNvPr id="2" name="Title Placeholder 1">
             <a:extLst>
               <a:ext uri="{FF2B5EF4-FFF2-40B4-BE49-F238E27FC236}">
-                <a16:creationId xmlns:a16="http://schemas.microsoft.com/office/drawing/2014/main" id="{FA394E79-F2BC-3401-F468-CF4BBA8768D5}"/>
+                <a16:creationId xmlns:a16="http://schemas.microsoft.com/office/drawing/2014/main" id="{AD730D36-EECE-734F-0278-3B484DB9EA29}"/>
               </a:ext>
             </a:extLst>
           </p:cNvPr>
@@ -2816,7 +2810,7 @@
           <p:cNvPr id="3" name="Text Placeholder 2">
             <a:extLst>
               <a:ext uri="{FF2B5EF4-FFF2-40B4-BE49-F238E27FC236}">
-                <a16:creationId xmlns:a16="http://schemas.microsoft.com/office/drawing/2014/main" id="{BCC9C96B-EEA6-8F71-1BFE-90A946DC4453}"/>
+                <a16:creationId xmlns:a16="http://schemas.microsoft.com/office/drawing/2014/main" id="{B63F17CE-F74B-0CA6-9AAB-5289BD110FC5}"/>
               </a:ext>
             </a:extLst>
           </p:cNvPr>
@@ -2883,7 +2877,7 @@
           <p:cNvPr id="4" name="Date Placeholder 3">
             <a:extLst>
               <a:ext uri="{FF2B5EF4-FFF2-40B4-BE49-F238E27FC236}">
-                <a16:creationId xmlns:a16="http://schemas.microsoft.com/office/drawing/2014/main" id="{2954DF5E-4FD4-6DE4-EBF4-79E9AFDEF589}"/>
+                <a16:creationId xmlns:a16="http://schemas.microsoft.com/office/drawing/2014/main" id="{B1B86312-EA70-DA6C-AF87-BE621EA5A07E}"/>
               </a:ext>
             </a:extLst>
           </p:cNvPr>
@@ -2917,7 +2911,7 @@
             </a:lvl1pPr>
           </a:lstStyle>
           <a:p>
-            <a:fld id="{0EA4EB22-5356-4DE4-8605-95DA6F1F12A7}" type="datetimeFigureOut">
+            <a:fld id="{E1856488-4F7B-40FA-9EE2-B0F25D0506F5}" type="datetimeFigureOut">
               <a:rPr lang="en-US" smtClean="0"/>
               <a:t>12/22/2022</a:t>
             </a:fld>
@@ -2930,7 +2924,7 @@
           <p:cNvPr id="5" name="Footer Placeholder 4">
             <a:extLst>
               <a:ext uri="{FF2B5EF4-FFF2-40B4-BE49-F238E27FC236}">
-                <a16:creationId xmlns:a16="http://schemas.microsoft.com/office/drawing/2014/main" id="{E804479F-F6BE-080E-BDC3-A665DCDA0921}"/>
+                <a16:creationId xmlns:a16="http://schemas.microsoft.com/office/drawing/2014/main" id="{D01FCB8B-641E-CD2B-29A6-B4AA7D335C5A}"/>
               </a:ext>
             </a:extLst>
           </p:cNvPr>
@@ -2973,7 +2967,7 @@
           <p:cNvPr id="6" name="Slide Number Placeholder 5">
             <a:extLst>
               <a:ext uri="{FF2B5EF4-FFF2-40B4-BE49-F238E27FC236}">
-                <a16:creationId xmlns:a16="http://schemas.microsoft.com/office/drawing/2014/main" id="{5A5AB257-5289-F8E3-DC2C-FB9F5CE8B90E}"/>
+                <a16:creationId xmlns:a16="http://schemas.microsoft.com/office/drawing/2014/main" id="{E400EFAB-5DE6-C3DB-BBD9-4D6AC8C7A4D8}"/>
               </a:ext>
             </a:extLst>
           </p:cNvPr>
@@ -3007,7 +3001,7 @@
             </a:lvl1pPr>
           </a:lstStyle>
           <a:p>
-            <a:fld id="{6CE4EEF9-9FA5-4B3D-A36E-47DE31F92B0F}" type="slidenum">
+            <a:fld id="{FBE3CD3C-D0ED-4948-A9BA-6207E2BFB767}" type="slidenum">
               <a:rPr lang="en-US" smtClean="0"/>
               <a:t>‹#›</a:t>
             </a:fld>
@@ -3018,7 +3012,7 @@
     </p:spTree>
     <p:extLst>
       <p:ext uri="{BB962C8B-B14F-4D97-AF65-F5344CB8AC3E}">
-        <p14:creationId xmlns:p14="http://schemas.microsoft.com/office/powerpoint/2010/main" val="1007284415"/>
+        <p14:creationId xmlns:p14="http://schemas.microsoft.com/office/powerpoint/2010/main" val="2269682388"/>
       </p:ext>
     </p:extLst>
   </p:cSld>
@@ -3336,92 +3330,12 @@
           <a:chExt cx="0" cy="0"/>
         </a:xfrm>
       </p:grpSpPr>
-      <p:sp>
-        <p:nvSpPr>
-          <p:cNvPr id="2" name="Title 1">
-            <a:extLst>
-              <a:ext uri="{FF2B5EF4-FFF2-40B4-BE49-F238E27FC236}">
-                <a16:creationId xmlns:a16="http://schemas.microsoft.com/office/drawing/2014/main" id="{C918B851-DA77-B45A-BBDC-3D1C1960B99F}"/>
-              </a:ext>
-            </a:extLst>
-          </p:cNvPr>
-          <p:cNvSpPr>
-            <a:spLocks noGrp="1"/>
-          </p:cNvSpPr>
-          <p:nvPr>
-            <p:ph type="ctrTitle"/>
-          </p:nvPr>
-        </p:nvSpPr>
-        <p:spPr/>
-        <p:txBody>
-          <a:bodyPr/>
-          <a:lstStyle/>
-          <a:p>
-            <a:endParaRPr lang="en-US"/>
-          </a:p>
-        </p:txBody>
-      </p:sp>
-      <p:sp>
-        <p:nvSpPr>
-          <p:cNvPr id="3" name="Subtitle 2">
-            <a:extLst>
-              <a:ext uri="{FF2B5EF4-FFF2-40B4-BE49-F238E27FC236}">
-                <a16:creationId xmlns:a16="http://schemas.microsoft.com/office/drawing/2014/main" id="{C2EDC87C-A7DE-9B62-9897-F00A9C225793}"/>
-              </a:ext>
-            </a:extLst>
-          </p:cNvPr>
-          <p:cNvSpPr>
-            <a:spLocks noGrp="1"/>
-          </p:cNvSpPr>
-          <p:nvPr>
-            <p:ph type="subTitle" idx="1"/>
-          </p:nvPr>
-        </p:nvSpPr>
-        <p:spPr/>
-        <p:txBody>
-          <a:bodyPr/>
-          <a:lstStyle/>
-          <a:p>
-            <a:endParaRPr lang="en-US"/>
-          </a:p>
-        </p:txBody>
-      </p:sp>
-    </p:spTree>
-    <p:extLst>
-      <p:ext uri="{BB962C8B-B14F-4D97-AF65-F5344CB8AC3E}">
-        <p14:creationId xmlns:p14="http://schemas.microsoft.com/office/powerpoint/2010/main" val="3318819102"/>
-      </p:ext>
-    </p:extLst>
-  </p:cSld>
-  <p:clrMapOvr>
-    <a:masterClrMapping/>
-  </p:clrMapOvr>
-</p:sld>
-</file>
-
-<file path=ppt/slides/slide10.xml><?xml version="1.0" encoding="utf-8"?>
-<p:sld xmlns:a="http://schemas.openxmlformats.org/drawingml/2006/main" xmlns:r="http://schemas.openxmlformats.org/officeDocument/2006/relationships" xmlns:p="http://schemas.openxmlformats.org/presentationml/2006/main">
-  <p:cSld>
-    <p:spTree>
-      <p:nvGrpSpPr>
-        <p:cNvPr id="1" name=""/>
-        <p:cNvGrpSpPr/>
-        <p:nvPr/>
-      </p:nvGrpSpPr>
-      <p:grpSpPr>
-        <a:xfrm>
-          <a:off x="0" y="0"/>
-          <a:ext cx="0" cy="0"/>
-          <a:chOff x="0" y="0"/>
-          <a:chExt cx="0" cy="0"/>
-        </a:xfrm>
-      </p:grpSpPr>
       <p:pic>
         <p:nvPicPr>
           <p:cNvPr id="3" name="Picture 2">
             <a:extLst>
               <a:ext uri="{FF2B5EF4-FFF2-40B4-BE49-F238E27FC236}">
-                <a16:creationId xmlns:a16="http://schemas.microsoft.com/office/drawing/2014/main" id="{FC4BE747-2022-B9D5-CD14-266423B1A011}"/>
+                <a16:creationId xmlns:a16="http://schemas.microsoft.com/office/drawing/2014/main" id="{490F7DA7-274A-E26A-5A54-F4181A32E307}"/>
               </a:ext>
             </a:extLst>
           </p:cNvPr>
@@ -3430,356 +3344,104 @@
           </p:cNvPicPr>
           <p:nvPr/>
         </p:nvPicPr>
-        <p:blipFill>
+        <p:blipFill rotWithShape="1">
           <a:blip r:embed="rId2"/>
-          <a:stretch>
-            <a:fillRect/>
-          </a:stretch>
+          <a:srcRect l="5891"/>
+          <a:stretch/>
         </p:blipFill>
         <p:spPr>
           <a:xfrm>
-            <a:off x="2999943" y="894996"/>
-            <a:ext cx="6192114" cy="5068007"/>
+            <a:off x="247650" y="657679"/>
+            <a:ext cx="11473834" cy="5542642"/>
           </a:xfrm>
           <a:prstGeom prst="rect">
             <a:avLst/>
           </a:prstGeom>
         </p:spPr>
       </p:pic>
-    </p:spTree>
-    <p:extLst>
-      <p:ext uri="{BB962C8B-B14F-4D97-AF65-F5344CB8AC3E}">
-        <p14:creationId xmlns:p14="http://schemas.microsoft.com/office/powerpoint/2010/main" val="1762114063"/>
-      </p:ext>
-    </p:extLst>
-  </p:cSld>
-  <p:clrMapOvr>
-    <a:masterClrMapping/>
-  </p:clrMapOvr>
-</p:sld>
-</file>
-
-<file path=ppt/slides/slide11.xml><?xml version="1.0" encoding="utf-8"?>
-<p:sld xmlns:a="http://schemas.openxmlformats.org/drawingml/2006/main" xmlns:r="http://schemas.openxmlformats.org/officeDocument/2006/relationships" xmlns:p="http://schemas.openxmlformats.org/presentationml/2006/main">
-  <p:cSld>
-    <p:spTree>
-      <p:nvGrpSpPr>
-        <p:cNvPr id="1" name=""/>
-        <p:cNvGrpSpPr/>
-        <p:nvPr/>
-      </p:nvGrpSpPr>
-      <p:grpSpPr>
-        <a:xfrm>
-          <a:off x="0" y="0"/>
-          <a:ext cx="0" cy="0"/>
-          <a:chOff x="0" y="0"/>
-          <a:chExt cx="0" cy="0"/>
-        </a:xfrm>
-      </p:grpSpPr>
-      <p:pic>
-        <p:nvPicPr>
-          <p:cNvPr id="3" name="Picture 2">
-            <a:extLst>
-              <a:ext uri="{FF2B5EF4-FFF2-40B4-BE49-F238E27FC236}">
-                <a16:creationId xmlns:a16="http://schemas.microsoft.com/office/drawing/2014/main" id="{08800EB3-718A-4ACF-A710-B276B8CFF0DC}"/>
-              </a:ext>
-            </a:extLst>
-          </p:cNvPr>
-          <p:cNvPicPr>
-            <a:picLocks noChangeAspect="1"/>
-          </p:cNvPicPr>
+      <p:cxnSp>
+        <p:nvCxnSpPr>
+          <p:cNvPr id="6" name="Straight Arrow Connector 5">
+            <a:extLst>
+              <a:ext uri="{FF2B5EF4-FFF2-40B4-BE49-F238E27FC236}">
+                <a16:creationId xmlns:a16="http://schemas.microsoft.com/office/drawing/2014/main" id="{3ED338C1-7169-380A-9DD9-93548CF4BDAE}"/>
+              </a:ext>
+            </a:extLst>
+          </p:cNvPr>
+          <p:cNvCxnSpPr/>
           <p:nvPr/>
-        </p:nvPicPr>
-        <p:blipFill>
-          <a:blip r:embed="rId2"/>
-          <a:stretch>
-            <a:fillRect/>
-          </a:stretch>
-        </p:blipFill>
+        </p:nvCxnSpPr>
+        <p:spPr>
+          <a:xfrm flipV="1">
+            <a:off x="7812350" y="2521258"/>
+            <a:ext cx="2459114" cy="1580225"/>
+          </a:xfrm>
+          <a:prstGeom prst="straightConnector1">
+            <a:avLst/>
+          </a:prstGeom>
+          <a:ln w="34925">
+            <a:solidFill>
+              <a:srgbClr val="FF0000"/>
+            </a:solidFill>
+            <a:tailEnd type="triangle" w="lg" len="lg"/>
+          </a:ln>
+        </p:spPr>
+        <p:style>
+          <a:lnRef idx="1">
+            <a:schemeClr val="accent1"/>
+          </a:lnRef>
+          <a:fillRef idx="0">
+            <a:schemeClr val="accent1"/>
+          </a:fillRef>
+          <a:effectRef idx="0">
+            <a:schemeClr val="accent1"/>
+          </a:effectRef>
+          <a:fontRef idx="minor">
+            <a:schemeClr val="tx1"/>
+          </a:fontRef>
+        </p:style>
+      </p:cxnSp>
+      <p:sp>
+        <p:nvSpPr>
+          <p:cNvPr id="7" name="TextBox 6">
+            <a:extLst>
+              <a:ext uri="{FF2B5EF4-FFF2-40B4-BE49-F238E27FC236}">
+                <a16:creationId xmlns:a16="http://schemas.microsoft.com/office/drawing/2014/main" id="{45854D57-89AF-DA8F-7673-04048739A00B}"/>
+              </a:ext>
+            </a:extLst>
+          </p:cNvPr>
+          <p:cNvSpPr txBox="1"/>
+          <p:nvPr/>
+        </p:nvSpPr>
         <p:spPr>
           <a:xfrm>
-            <a:off x="3123785" y="1009312"/>
-            <a:ext cx="5944430" cy="4839375"/>
+            <a:off x="7600950" y="2336592"/>
+            <a:ext cx="1288686" cy="369332"/>
           </a:xfrm>
           <a:prstGeom prst="rect">
             <a:avLst/>
           </a:prstGeom>
+          <a:solidFill>
+            <a:schemeClr val="accent2"/>
+          </a:solidFill>
         </p:spPr>
-      </p:pic>
+        <p:txBody>
+          <a:bodyPr wrap="none" rtlCol="0">
+            <a:spAutoFit/>
+          </a:bodyPr>
+          <a:lstStyle/>
+          <a:p>
+            <a:r>
+              <a:rPr lang="en-US" dirty="0"/>
+              <a:t>CLICK CODE</a:t>
+            </a:r>
+          </a:p>
+        </p:txBody>
+      </p:sp>
     </p:spTree>
     <p:extLst>
       <p:ext uri="{BB962C8B-B14F-4D97-AF65-F5344CB8AC3E}">
-        <p14:creationId xmlns:p14="http://schemas.microsoft.com/office/powerpoint/2010/main" val="3238652462"/>
-      </p:ext>
-    </p:extLst>
-  </p:cSld>
-  <p:clrMapOvr>
-    <a:masterClrMapping/>
-  </p:clrMapOvr>
-</p:sld>
-</file>
-
-<file path=ppt/slides/slide12.xml><?xml version="1.0" encoding="utf-8"?>
-<p:sld xmlns:a="http://schemas.openxmlformats.org/drawingml/2006/main" xmlns:r="http://schemas.openxmlformats.org/officeDocument/2006/relationships" xmlns:p="http://schemas.openxmlformats.org/presentationml/2006/main">
-  <p:cSld>
-    <p:spTree>
-      <p:nvGrpSpPr>
-        <p:cNvPr id="1" name=""/>
-        <p:cNvGrpSpPr/>
-        <p:nvPr/>
-      </p:nvGrpSpPr>
-      <p:grpSpPr>
-        <a:xfrm>
-          <a:off x="0" y="0"/>
-          <a:ext cx="0" cy="0"/>
-          <a:chOff x="0" y="0"/>
-          <a:chExt cx="0" cy="0"/>
-        </a:xfrm>
-      </p:grpSpPr>
-      <p:pic>
-        <p:nvPicPr>
-          <p:cNvPr id="3" name="Picture 2">
-            <a:extLst>
-              <a:ext uri="{FF2B5EF4-FFF2-40B4-BE49-F238E27FC236}">
-                <a16:creationId xmlns:a16="http://schemas.microsoft.com/office/drawing/2014/main" id="{3D0C5556-47AA-6401-6897-4AA206642CA1}"/>
-              </a:ext>
-            </a:extLst>
-          </p:cNvPr>
-          <p:cNvPicPr>
-            <a:picLocks noChangeAspect="1"/>
-          </p:cNvPicPr>
-          <p:nvPr/>
-        </p:nvPicPr>
-        <p:blipFill>
-          <a:blip r:embed="rId2"/>
-          <a:stretch>
-            <a:fillRect/>
-          </a:stretch>
-        </p:blipFill>
-        <p:spPr>
-          <a:xfrm>
-            <a:off x="4209787" y="2890762"/>
-            <a:ext cx="3772426" cy="1076475"/>
-          </a:xfrm>
-          <a:prstGeom prst="rect">
-            <a:avLst/>
-          </a:prstGeom>
-        </p:spPr>
-      </p:pic>
-    </p:spTree>
-    <p:extLst>
-      <p:ext uri="{BB962C8B-B14F-4D97-AF65-F5344CB8AC3E}">
-        <p14:creationId xmlns:p14="http://schemas.microsoft.com/office/powerpoint/2010/main" val="2238014366"/>
-      </p:ext>
-    </p:extLst>
-  </p:cSld>
-  <p:clrMapOvr>
-    <a:masterClrMapping/>
-  </p:clrMapOvr>
-</p:sld>
-</file>
-
-<file path=ppt/slides/slide13.xml><?xml version="1.0" encoding="utf-8"?>
-<p:sld xmlns:a="http://schemas.openxmlformats.org/drawingml/2006/main" xmlns:r="http://schemas.openxmlformats.org/officeDocument/2006/relationships" xmlns:p="http://schemas.openxmlformats.org/presentationml/2006/main">
-  <p:cSld>
-    <p:spTree>
-      <p:nvGrpSpPr>
-        <p:cNvPr id="1" name=""/>
-        <p:cNvGrpSpPr/>
-        <p:nvPr/>
-      </p:nvGrpSpPr>
-      <p:grpSpPr>
-        <a:xfrm>
-          <a:off x="0" y="0"/>
-          <a:ext cx="0" cy="0"/>
-          <a:chOff x="0" y="0"/>
-          <a:chExt cx="0" cy="0"/>
-        </a:xfrm>
-      </p:grpSpPr>
-    </p:spTree>
-    <p:extLst>
-      <p:ext uri="{BB962C8B-B14F-4D97-AF65-F5344CB8AC3E}">
-        <p14:creationId xmlns:p14="http://schemas.microsoft.com/office/powerpoint/2010/main" val="4132443063"/>
-      </p:ext>
-    </p:extLst>
-  </p:cSld>
-  <p:clrMapOvr>
-    <a:masterClrMapping/>
-  </p:clrMapOvr>
-</p:sld>
-</file>
-
-<file path=ppt/slides/slide14.xml><?xml version="1.0" encoding="utf-8"?>
-<p:sld xmlns:a="http://schemas.openxmlformats.org/drawingml/2006/main" xmlns:r="http://schemas.openxmlformats.org/officeDocument/2006/relationships" xmlns:p="http://schemas.openxmlformats.org/presentationml/2006/main">
-  <p:cSld>
-    <p:spTree>
-      <p:nvGrpSpPr>
-        <p:cNvPr id="1" name=""/>
-        <p:cNvGrpSpPr/>
-        <p:nvPr/>
-      </p:nvGrpSpPr>
-      <p:grpSpPr>
-        <a:xfrm>
-          <a:off x="0" y="0"/>
-          <a:ext cx="0" cy="0"/>
-          <a:chOff x="0" y="0"/>
-          <a:chExt cx="0" cy="0"/>
-        </a:xfrm>
-      </p:grpSpPr>
-      <p:pic>
-        <p:nvPicPr>
-          <p:cNvPr id="5" name="Picture 4">
-            <a:extLst>
-              <a:ext uri="{FF2B5EF4-FFF2-40B4-BE49-F238E27FC236}">
-                <a16:creationId xmlns:a16="http://schemas.microsoft.com/office/drawing/2014/main" id="{25DCDD6B-A192-EA3E-E605-D87F54216925}"/>
-              </a:ext>
-            </a:extLst>
-          </p:cNvPr>
-          <p:cNvPicPr>
-            <a:picLocks noChangeAspect="1"/>
-          </p:cNvPicPr>
-          <p:nvPr/>
-        </p:nvPicPr>
-        <p:blipFill>
-          <a:blip r:embed="rId2"/>
-          <a:stretch>
-            <a:fillRect/>
-          </a:stretch>
-        </p:blipFill>
-        <p:spPr>
-          <a:xfrm>
-            <a:off x="2818942" y="1299865"/>
-            <a:ext cx="6554115" cy="4258269"/>
-          </a:xfrm>
-          <a:prstGeom prst="rect">
-            <a:avLst/>
-          </a:prstGeom>
-        </p:spPr>
-      </p:pic>
-    </p:spTree>
-    <p:extLst>
-      <p:ext uri="{BB962C8B-B14F-4D97-AF65-F5344CB8AC3E}">
-        <p14:creationId xmlns:p14="http://schemas.microsoft.com/office/powerpoint/2010/main" val="4235773102"/>
-      </p:ext>
-    </p:extLst>
-  </p:cSld>
-  <p:clrMapOvr>
-    <a:masterClrMapping/>
-  </p:clrMapOvr>
-</p:sld>
-</file>
-
-<file path=ppt/slides/slide15.xml><?xml version="1.0" encoding="utf-8"?>
-<p:sld xmlns:a="http://schemas.openxmlformats.org/drawingml/2006/main" xmlns:r="http://schemas.openxmlformats.org/officeDocument/2006/relationships" xmlns:p="http://schemas.openxmlformats.org/presentationml/2006/main">
-  <p:cSld>
-    <p:spTree>
-      <p:nvGrpSpPr>
-        <p:cNvPr id="1" name=""/>
-        <p:cNvGrpSpPr/>
-        <p:nvPr/>
-      </p:nvGrpSpPr>
-      <p:grpSpPr>
-        <a:xfrm>
-          <a:off x="0" y="0"/>
-          <a:ext cx="0" cy="0"/>
-          <a:chOff x="0" y="0"/>
-          <a:chExt cx="0" cy="0"/>
-        </a:xfrm>
-      </p:grpSpPr>
-      <p:pic>
-        <p:nvPicPr>
-          <p:cNvPr id="3" name="Picture 2">
-            <a:extLst>
-              <a:ext uri="{FF2B5EF4-FFF2-40B4-BE49-F238E27FC236}">
-                <a16:creationId xmlns:a16="http://schemas.microsoft.com/office/drawing/2014/main" id="{CC52C9CA-EBA4-2A33-F94A-3E0D65C55058}"/>
-              </a:ext>
-            </a:extLst>
-          </p:cNvPr>
-          <p:cNvPicPr>
-            <a:picLocks noChangeAspect="1"/>
-          </p:cNvPicPr>
-          <p:nvPr/>
-        </p:nvPicPr>
-        <p:blipFill>
-          <a:blip r:embed="rId2"/>
-          <a:stretch>
-            <a:fillRect/>
-          </a:stretch>
-        </p:blipFill>
-        <p:spPr>
-          <a:xfrm>
-            <a:off x="3509601" y="1347497"/>
-            <a:ext cx="5172797" cy="4163006"/>
-          </a:xfrm>
-          <a:prstGeom prst="rect">
-            <a:avLst/>
-          </a:prstGeom>
-        </p:spPr>
-      </p:pic>
-    </p:spTree>
-    <p:extLst>
-      <p:ext uri="{BB962C8B-B14F-4D97-AF65-F5344CB8AC3E}">
-        <p14:creationId xmlns:p14="http://schemas.microsoft.com/office/powerpoint/2010/main" val="3865041529"/>
-      </p:ext>
-    </p:extLst>
-  </p:cSld>
-  <p:clrMapOvr>
-    <a:masterClrMapping/>
-  </p:clrMapOvr>
-</p:sld>
-</file>
-
-<file path=ppt/slides/slide16.xml><?xml version="1.0" encoding="utf-8"?>
-<p:sld xmlns:a="http://schemas.openxmlformats.org/drawingml/2006/main" xmlns:r="http://schemas.openxmlformats.org/officeDocument/2006/relationships" xmlns:p="http://schemas.openxmlformats.org/presentationml/2006/main">
-  <p:cSld>
-    <p:spTree>
-      <p:nvGrpSpPr>
-        <p:cNvPr id="1" name=""/>
-        <p:cNvGrpSpPr/>
-        <p:nvPr/>
-      </p:nvGrpSpPr>
-      <p:grpSpPr>
-        <a:xfrm>
-          <a:off x="0" y="0"/>
-          <a:ext cx="0" cy="0"/>
-          <a:chOff x="0" y="0"/>
-          <a:chExt cx="0" cy="0"/>
-        </a:xfrm>
-      </p:grpSpPr>
-      <p:pic>
-        <p:nvPicPr>
-          <p:cNvPr id="3" name="Picture 2">
-            <a:extLst>
-              <a:ext uri="{FF2B5EF4-FFF2-40B4-BE49-F238E27FC236}">
-                <a16:creationId xmlns:a16="http://schemas.microsoft.com/office/drawing/2014/main" id="{29945DC6-79F8-6DF0-C65B-7976492EDCC5}"/>
-              </a:ext>
-            </a:extLst>
-          </p:cNvPr>
-          <p:cNvPicPr>
-            <a:picLocks noChangeAspect="1"/>
-          </p:cNvPicPr>
-          <p:nvPr/>
-        </p:nvPicPr>
-        <p:blipFill>
-          <a:blip r:embed="rId2"/>
-          <a:stretch>
-            <a:fillRect/>
-          </a:stretch>
-        </p:blipFill>
-        <p:spPr>
-          <a:xfrm>
-            <a:off x="4662287" y="1595181"/>
-            <a:ext cx="2867425" cy="3667637"/>
-          </a:xfrm>
-          <a:prstGeom prst="rect">
-            <a:avLst/>
-          </a:prstGeom>
-        </p:spPr>
-      </p:pic>
-    </p:spTree>
-    <p:extLst>
-      <p:ext uri="{BB962C8B-B14F-4D97-AF65-F5344CB8AC3E}">
-        <p14:creationId xmlns:p14="http://schemas.microsoft.com/office/powerpoint/2010/main" val="4027297028"/>
+        <p14:creationId xmlns:p14="http://schemas.microsoft.com/office/powerpoint/2010/main" val="673309903"/>
       </p:ext>
     </p:extLst>
   </p:cSld>
@@ -3811,7 +3473,7 @@
           <p:cNvPr id="3" name="Picture 2">
             <a:extLst>
               <a:ext uri="{FF2B5EF4-FFF2-40B4-BE49-F238E27FC236}">
-                <a16:creationId xmlns:a16="http://schemas.microsoft.com/office/drawing/2014/main" id="{58CAAB34-D136-09C7-435F-68ED23E10613}"/>
+                <a16:creationId xmlns:a16="http://schemas.microsoft.com/office/drawing/2014/main" id="{6D85D811-1A69-4BC6-8934-3404049F4B2E}"/>
               </a:ext>
             </a:extLst>
           </p:cNvPr>
@@ -3828,18 +3490,97 @@
         </p:blipFill>
         <p:spPr>
           <a:xfrm>
-            <a:off x="1108966" y="1433234"/>
-            <a:ext cx="9974067" cy="3991532"/>
+            <a:off x="3185706" y="499709"/>
+            <a:ext cx="5820587" cy="5058481"/>
           </a:xfrm>
           <a:prstGeom prst="rect">
             <a:avLst/>
           </a:prstGeom>
         </p:spPr>
       </p:pic>
+      <p:cxnSp>
+        <p:nvCxnSpPr>
+          <p:cNvPr id="4" name="Straight Arrow Connector 3">
+            <a:extLst>
+              <a:ext uri="{FF2B5EF4-FFF2-40B4-BE49-F238E27FC236}">
+                <a16:creationId xmlns:a16="http://schemas.microsoft.com/office/drawing/2014/main" id="{56C47127-129A-0A67-A94B-EE9500F0111E}"/>
+              </a:ext>
+            </a:extLst>
+          </p:cNvPr>
+          <p:cNvCxnSpPr/>
+          <p:nvPr/>
+        </p:nvCxnSpPr>
+        <p:spPr>
+          <a:xfrm>
+            <a:off x="2419350" y="2590800"/>
+            <a:ext cx="1762125" cy="2266950"/>
+          </a:xfrm>
+          <a:prstGeom prst="straightConnector1">
+            <a:avLst/>
+          </a:prstGeom>
+          <a:ln w="31750">
+            <a:solidFill>
+              <a:srgbClr val="FF0000"/>
+            </a:solidFill>
+            <a:tailEnd type="triangle" w="lg" len="lg"/>
+          </a:ln>
+        </p:spPr>
+        <p:style>
+          <a:lnRef idx="1">
+            <a:schemeClr val="accent1"/>
+          </a:lnRef>
+          <a:fillRef idx="0">
+            <a:schemeClr val="accent1"/>
+          </a:fillRef>
+          <a:effectRef idx="0">
+            <a:schemeClr val="accent1"/>
+          </a:effectRef>
+          <a:fontRef idx="minor">
+            <a:schemeClr val="tx1"/>
+          </a:fontRef>
+        </p:style>
+      </p:cxnSp>
+      <p:sp>
+        <p:nvSpPr>
+          <p:cNvPr id="5" name="TextBox 4">
+            <a:extLst>
+              <a:ext uri="{FF2B5EF4-FFF2-40B4-BE49-F238E27FC236}">
+                <a16:creationId xmlns:a16="http://schemas.microsoft.com/office/drawing/2014/main" id="{C2D2F41E-A73B-B6CF-A433-E3F00C1F24E4}"/>
+              </a:ext>
+            </a:extLst>
+          </p:cNvPr>
+          <p:cNvSpPr txBox="1"/>
+          <p:nvPr/>
+        </p:nvSpPr>
+        <p:spPr>
+          <a:xfrm>
+            <a:off x="4010025" y="5373524"/>
+            <a:ext cx="1925014" cy="369332"/>
+          </a:xfrm>
+          <a:prstGeom prst="rect">
+            <a:avLst/>
+          </a:prstGeom>
+          <a:solidFill>
+            <a:schemeClr val="accent2"/>
+          </a:solidFill>
+        </p:spPr>
+        <p:txBody>
+          <a:bodyPr wrap="none" rtlCol="0">
+            <a:spAutoFit/>
+          </a:bodyPr>
+          <a:lstStyle/>
+          <a:p>
+            <a:r>
+              <a:rPr lang="en-US" dirty="0"/>
+              <a:t>CLICK DOWNLOAD</a:t>
+            </a:r>
+          </a:p>
+        </p:txBody>
+      </p:sp>
     </p:spTree>
     <p:extLst>
       <p:ext uri="{BB962C8B-B14F-4D97-AF65-F5344CB8AC3E}">
-        <p14:creationId xmlns:p14="http://schemas.microsoft.com/office/powerpoint/2010/main" val="2227356594"/>
+        <p14:creationId xmlns:p14="http://schemas.microsoft.com/office/powerpoint/2010/main" val="4023823830"/>
       </p:ext>
     </p:extLst>
   </p:cSld>
@@ -3866,116 +3607,12 @@
           <a:chExt cx="0" cy="0"/>
         </a:xfrm>
       </p:grpSpPr>
-      <p:sp>
-        <p:nvSpPr>
-          <p:cNvPr id="2" name="Title 1">
-            <a:extLst>
-              <a:ext uri="{FF2B5EF4-FFF2-40B4-BE49-F238E27FC236}">
-                <a16:creationId xmlns:a16="http://schemas.microsoft.com/office/drawing/2014/main" id="{02DBF2E4-3AB3-9BC7-2E70-6F961116F858}"/>
-              </a:ext>
-            </a:extLst>
-          </p:cNvPr>
-          <p:cNvSpPr>
-            <a:spLocks noGrp="1"/>
-          </p:cNvSpPr>
-          <p:nvPr>
-            <p:ph type="title"/>
-          </p:nvPr>
-        </p:nvSpPr>
-        <p:spPr>
-          <a:xfrm>
-            <a:off x="221942" y="719092"/>
-            <a:ext cx="3932237" cy="494930"/>
-          </a:xfrm>
-        </p:spPr>
-        <p:txBody>
-          <a:bodyPr>
-            <a:normAutofit fontScale="90000"/>
-          </a:bodyPr>
-          <a:lstStyle/>
-          <a:p>
-            <a:r>
-              <a:rPr lang="en-US" dirty="0"/>
-              <a:t>Create User Interface</a:t>
-            </a:r>
-          </a:p>
-        </p:txBody>
-      </p:sp>
-      <p:sp>
-        <p:nvSpPr>
-          <p:cNvPr id="4" name="Text Placeholder 3">
-            <a:extLst>
-              <a:ext uri="{FF2B5EF4-FFF2-40B4-BE49-F238E27FC236}">
-                <a16:creationId xmlns:a16="http://schemas.microsoft.com/office/drawing/2014/main" id="{6D896F70-4CC2-E707-39E2-C4B970EAA384}"/>
-              </a:ext>
-            </a:extLst>
-          </p:cNvPr>
-          <p:cNvSpPr>
-            <a:spLocks noGrp="1"/>
-          </p:cNvSpPr>
-          <p:nvPr>
-            <p:ph type="body" sz="half" idx="2"/>
-          </p:nvPr>
-        </p:nvSpPr>
-        <p:spPr>
-          <a:xfrm>
-            <a:off x="142043" y="1214022"/>
-            <a:ext cx="4802359" cy="3091649"/>
-          </a:xfrm>
-        </p:spPr>
-        <p:txBody>
-          <a:bodyPr>
-            <a:normAutofit/>
-          </a:bodyPr>
-          <a:lstStyle/>
-          <a:p>
-            <a:pPr marL="285750" indent="-285750">
-              <a:buFont typeface="Arial" panose="020B0604020202020204" pitchFamily="34" charset="0"/>
-              <a:buChar char="•"/>
-            </a:pPr>
-            <a:r>
-              <a:rPr lang="en-US" dirty="0"/>
-              <a:t>A label with caption "Region"</a:t>
-            </a:r>
-          </a:p>
-          <a:p>
-            <a:pPr marL="285750" indent="-285750">
-              <a:buFont typeface="Arial" panose="020B0604020202020204" pitchFamily="34" charset="0"/>
-              <a:buChar char="•"/>
-            </a:pPr>
-            <a:r>
-              <a:rPr lang="en-US" dirty="0"/>
-              <a:t>A entry field for identifying the region name (one of Auckland or Hamilton).</a:t>
-            </a:r>
-          </a:p>
-          <a:p>
-            <a:pPr marL="285750" indent="-285750">
-              <a:buFont typeface="Arial" panose="020B0604020202020204" pitchFamily="34" charset="0"/>
-              <a:buChar char="•"/>
-            </a:pPr>
-            <a:r>
-              <a:rPr lang="en-US" dirty="0"/>
-              <a:t>A grid for displaying the names of branches in the region.</a:t>
-            </a:r>
-          </a:p>
-          <a:p>
-            <a:pPr marL="285750" indent="-285750">
-              <a:buFont typeface="Arial" panose="020B0604020202020204" pitchFamily="34" charset="0"/>
-              <a:buChar char="•"/>
-            </a:pPr>
-            <a:r>
-              <a:rPr lang="en-US" dirty="0"/>
-              <a:t>A Load button.</a:t>
-            </a:r>
-          </a:p>
-        </p:txBody>
-      </p:sp>
       <p:pic>
         <p:nvPicPr>
-          <p:cNvPr id="6" name="Picture 5">
-            <a:extLst>
-              <a:ext uri="{FF2B5EF4-FFF2-40B4-BE49-F238E27FC236}">
-                <a16:creationId xmlns:a16="http://schemas.microsoft.com/office/drawing/2014/main" id="{3CE5D67C-46AE-C6A4-D136-77FD9D429191}"/>
+          <p:cNvPr id="3" name="Picture 2">
+            <a:extLst>
+              <a:ext uri="{FF2B5EF4-FFF2-40B4-BE49-F238E27FC236}">
+                <a16:creationId xmlns:a16="http://schemas.microsoft.com/office/drawing/2014/main" id="{030C8A4E-3561-B58D-E34A-D9C3F33D0EE4}"/>
               </a:ext>
             </a:extLst>
           </p:cNvPr>
@@ -3992,8 +3629,8 @@
         </p:blipFill>
         <p:spPr>
           <a:xfrm>
-            <a:off x="5130833" y="833704"/>
-            <a:ext cx="6630325" cy="4782217"/>
+            <a:off x="3266680" y="2471604"/>
+            <a:ext cx="5658640" cy="1914792"/>
           </a:xfrm>
           <a:prstGeom prst="rect">
             <a:avLst/>
@@ -4003,7 +3640,7 @@
     </p:spTree>
     <p:extLst>
       <p:ext uri="{BB962C8B-B14F-4D97-AF65-F5344CB8AC3E}">
-        <p14:creationId xmlns:p14="http://schemas.microsoft.com/office/powerpoint/2010/main" val="1238496783"/>
+        <p14:creationId xmlns:p14="http://schemas.microsoft.com/office/powerpoint/2010/main" val="1735713151"/>
       </p:ext>
     </p:extLst>
   </p:cSld>
@@ -4030,45 +3667,12 @@
           <a:chExt cx="0" cy="0"/>
         </a:xfrm>
       </p:grpSpPr>
-      <p:sp>
-        <p:nvSpPr>
-          <p:cNvPr id="2" name="Title 1">
-            <a:extLst>
-              <a:ext uri="{FF2B5EF4-FFF2-40B4-BE49-F238E27FC236}">
-                <a16:creationId xmlns:a16="http://schemas.microsoft.com/office/drawing/2014/main" id="{A4B002BD-E6BC-45FA-A2F2-83B032131DF0}"/>
-              </a:ext>
-            </a:extLst>
-          </p:cNvPr>
-          <p:cNvSpPr>
-            <a:spLocks noGrp="1"/>
-          </p:cNvSpPr>
-          <p:nvPr>
-            <p:ph type="title"/>
-          </p:nvPr>
-        </p:nvSpPr>
-        <p:spPr>
-          <a:xfrm>
-            <a:off x="1248161" y="1629053"/>
-            <a:ext cx="3932237" cy="1600200"/>
-          </a:xfrm>
-        </p:spPr>
-        <p:txBody>
-          <a:bodyPr/>
-          <a:lstStyle/>
-          <a:p>
-            <a:r>
-              <a:rPr lang="en-US" dirty="0"/>
-              <a:t>Add our member variable</a:t>
-            </a:r>
-          </a:p>
-        </p:txBody>
-      </p:sp>
       <p:pic>
         <p:nvPicPr>
-          <p:cNvPr id="6" name="Picture 5">
-            <a:extLst>
-              <a:ext uri="{FF2B5EF4-FFF2-40B4-BE49-F238E27FC236}">
-                <a16:creationId xmlns:a16="http://schemas.microsoft.com/office/drawing/2014/main" id="{EBB5B0AF-A9E0-2841-955E-E9A91E61DD58}"/>
+          <p:cNvPr id="3" name="Picture 2">
+            <a:extLst>
+              <a:ext uri="{FF2B5EF4-FFF2-40B4-BE49-F238E27FC236}">
+                <a16:creationId xmlns:a16="http://schemas.microsoft.com/office/drawing/2014/main" id="{BF4D6462-FA76-24C0-1299-77147C311DAE}"/>
               </a:ext>
             </a:extLst>
           </p:cNvPr>
@@ -4085,38 +3689,8 @@
         </p:blipFill>
         <p:spPr>
           <a:xfrm>
-            <a:off x="6190151" y="2143363"/>
-            <a:ext cx="2048161" cy="571580"/>
-          </a:xfrm>
-          <a:prstGeom prst="rect">
-            <a:avLst/>
-          </a:prstGeom>
-        </p:spPr>
-      </p:pic>
-      <p:pic>
-        <p:nvPicPr>
-          <p:cNvPr id="8" name="Picture 7">
-            <a:extLst>
-              <a:ext uri="{FF2B5EF4-FFF2-40B4-BE49-F238E27FC236}">
-                <a16:creationId xmlns:a16="http://schemas.microsoft.com/office/drawing/2014/main" id="{20C6B481-BC66-A85C-8F5F-0B92B764CA16}"/>
-              </a:ext>
-            </a:extLst>
-          </p:cNvPr>
-          <p:cNvPicPr>
-            <a:picLocks noChangeAspect="1"/>
-          </p:cNvPicPr>
-          <p:nvPr/>
-        </p:nvPicPr>
-        <p:blipFill>
-          <a:blip r:embed="rId3"/>
-          <a:stretch>
-            <a:fillRect/>
-          </a:stretch>
-        </p:blipFill>
-        <p:spPr>
-          <a:xfrm>
-            <a:off x="6096000" y="3091551"/>
-            <a:ext cx="2857899" cy="752580"/>
+            <a:off x="1199466" y="709233"/>
+            <a:ext cx="9793067" cy="5439534"/>
           </a:xfrm>
           <a:prstGeom prst="rect">
             <a:avLst/>
@@ -4126,7 +3700,7 @@
     </p:spTree>
     <p:extLst>
       <p:ext uri="{BB962C8B-B14F-4D97-AF65-F5344CB8AC3E}">
-        <p14:creationId xmlns:p14="http://schemas.microsoft.com/office/powerpoint/2010/main" val="290744532"/>
+        <p14:creationId xmlns:p14="http://schemas.microsoft.com/office/powerpoint/2010/main" val="2750133249"/>
       </p:ext>
     </p:extLst>
   </p:cSld>
@@ -4153,286 +3727,12 @@
           <a:chExt cx="0" cy="0"/>
         </a:xfrm>
       </p:grpSpPr>
-      <p:sp>
-        <p:nvSpPr>
-          <p:cNvPr id="2" name="Title 1">
-            <a:extLst>
-              <a:ext uri="{FF2B5EF4-FFF2-40B4-BE49-F238E27FC236}">
-                <a16:creationId xmlns:a16="http://schemas.microsoft.com/office/drawing/2014/main" id="{A4B002BD-E6BC-45FA-A2F2-83B032131DF0}"/>
-              </a:ext>
-            </a:extLst>
-          </p:cNvPr>
-          <p:cNvSpPr>
-            <a:spLocks noGrp="1"/>
-          </p:cNvSpPr>
-          <p:nvPr>
-            <p:ph type="title"/>
-          </p:nvPr>
-        </p:nvSpPr>
-        <p:spPr>
-          <a:xfrm>
-            <a:off x="286713" y="113385"/>
-            <a:ext cx="3932237" cy="681362"/>
-          </a:xfrm>
-        </p:spPr>
-        <p:txBody>
-          <a:bodyPr/>
-          <a:lstStyle/>
-          <a:p>
-            <a:r>
-              <a:rPr lang="en-US" dirty="0"/>
-              <a:t>Load click event</a:t>
-            </a:r>
-          </a:p>
-        </p:txBody>
-      </p:sp>
-      <p:pic>
-        <p:nvPicPr>
-          <p:cNvPr id="4" name="Picture 3">
-            <a:extLst>
-              <a:ext uri="{FF2B5EF4-FFF2-40B4-BE49-F238E27FC236}">
-                <a16:creationId xmlns:a16="http://schemas.microsoft.com/office/drawing/2014/main" id="{B3A3C47C-4041-7E79-6B94-5C5B8EAFB571}"/>
-              </a:ext>
-            </a:extLst>
-          </p:cNvPr>
-          <p:cNvPicPr>
-            <a:picLocks noChangeAspect="1"/>
-          </p:cNvPicPr>
-          <p:nvPr/>
-        </p:nvPicPr>
-        <p:blipFill rotWithShape="1">
-          <a:blip r:embed="rId2"/>
-          <a:srcRect r="8894"/>
-          <a:stretch/>
-        </p:blipFill>
-        <p:spPr>
-          <a:xfrm>
-            <a:off x="4063877" y="954545"/>
-            <a:ext cx="8054142" cy="5144218"/>
-          </a:xfrm>
-          <a:prstGeom prst="rect">
-            <a:avLst/>
-          </a:prstGeom>
-        </p:spPr>
-      </p:pic>
-      <p:sp>
-        <p:nvSpPr>
-          <p:cNvPr id="5" name="Text Placeholder 3">
-            <a:extLst>
-              <a:ext uri="{FF2B5EF4-FFF2-40B4-BE49-F238E27FC236}">
-                <a16:creationId xmlns:a16="http://schemas.microsoft.com/office/drawing/2014/main" id="{B77DEC49-5A9B-203F-FB49-7554AB266E93}"/>
-              </a:ext>
-            </a:extLst>
-          </p:cNvPr>
-          <p:cNvSpPr>
-            <a:spLocks noGrp="1"/>
-          </p:cNvSpPr>
-          <p:nvPr>
-            <p:ph type="body" sz="half" idx="2"/>
-          </p:nvPr>
-        </p:nvSpPr>
-        <p:spPr>
-          <a:xfrm>
-            <a:off x="286712" y="1125244"/>
-            <a:ext cx="3932237" cy="1058663"/>
-          </a:xfrm>
-        </p:spPr>
-        <p:txBody>
-          <a:bodyPr/>
-          <a:lstStyle/>
-          <a:p>
-            <a:r>
-              <a:rPr lang="en-US" dirty="0"/>
-              <a:t>Save user input region into a temp variable.</a:t>
-            </a:r>
-          </a:p>
-          <a:p>
-            <a:r>
-              <a:rPr lang="en-US" dirty="0"/>
-              <a:t>Get the </a:t>
-            </a:r>
-            <a:r>
-              <a:rPr lang="en-US" dirty="0" err="1"/>
-              <a:t>regionID</a:t>
-            </a:r>
-            <a:r>
-              <a:rPr lang="en-US" dirty="0"/>
-              <a:t> of the region from db.</a:t>
-            </a:r>
-          </a:p>
-        </p:txBody>
-      </p:sp>
-    </p:spTree>
-    <p:extLst>
-      <p:ext uri="{BB962C8B-B14F-4D97-AF65-F5344CB8AC3E}">
-        <p14:creationId xmlns:p14="http://schemas.microsoft.com/office/powerpoint/2010/main" val="3387118221"/>
-      </p:ext>
-    </p:extLst>
-  </p:cSld>
-  <p:clrMapOvr>
-    <a:masterClrMapping/>
-  </p:clrMapOvr>
-</p:sld>
-</file>
-
-<file path=ppt/slides/slide6.xml><?xml version="1.0" encoding="utf-8"?>
-<p:sld xmlns:a="http://schemas.openxmlformats.org/drawingml/2006/main" xmlns:r="http://schemas.openxmlformats.org/officeDocument/2006/relationships" xmlns:p="http://schemas.openxmlformats.org/presentationml/2006/main">
-  <p:cSld>
-    <p:spTree>
-      <p:nvGrpSpPr>
-        <p:cNvPr id="1" name=""/>
-        <p:cNvGrpSpPr/>
-        <p:nvPr/>
-      </p:nvGrpSpPr>
-      <p:grpSpPr>
-        <a:xfrm>
-          <a:off x="0" y="0"/>
-          <a:ext cx="0" cy="0"/>
-          <a:chOff x="0" y="0"/>
-          <a:chExt cx="0" cy="0"/>
-        </a:xfrm>
-      </p:grpSpPr>
-      <p:sp>
-        <p:nvSpPr>
-          <p:cNvPr id="2" name="Title 1">
-            <a:extLst>
-              <a:ext uri="{FF2B5EF4-FFF2-40B4-BE49-F238E27FC236}">
-                <a16:creationId xmlns:a16="http://schemas.microsoft.com/office/drawing/2014/main" id="{19BE6071-FBB4-65CD-BB7F-D499736A4FFD}"/>
-              </a:ext>
-            </a:extLst>
-          </p:cNvPr>
-          <p:cNvSpPr>
-            <a:spLocks noGrp="1"/>
-          </p:cNvSpPr>
-          <p:nvPr>
-            <p:ph type="title"/>
-          </p:nvPr>
-        </p:nvSpPr>
-        <p:spPr/>
-        <p:txBody>
-          <a:bodyPr/>
-          <a:lstStyle/>
-          <a:p>
-            <a:endParaRPr lang="en-US"/>
-          </a:p>
-        </p:txBody>
-      </p:sp>
-      <p:sp>
-        <p:nvSpPr>
-          <p:cNvPr id="3" name="Content Placeholder 2">
-            <a:extLst>
-              <a:ext uri="{FF2B5EF4-FFF2-40B4-BE49-F238E27FC236}">
-                <a16:creationId xmlns:a16="http://schemas.microsoft.com/office/drawing/2014/main" id="{E6CDF9BD-AE6D-5739-4027-B89E774794E9}"/>
-              </a:ext>
-            </a:extLst>
-          </p:cNvPr>
-          <p:cNvSpPr>
-            <a:spLocks noGrp="1"/>
-          </p:cNvSpPr>
-          <p:nvPr>
-            <p:ph idx="1"/>
-          </p:nvPr>
-        </p:nvSpPr>
-        <p:spPr/>
-        <p:txBody>
-          <a:bodyPr/>
-          <a:lstStyle/>
-          <a:p>
-            <a:endParaRPr lang="en-US"/>
-          </a:p>
-        </p:txBody>
-      </p:sp>
-      <p:sp>
-        <p:nvSpPr>
-          <p:cNvPr id="4" name="Text Placeholder 3">
-            <a:extLst>
-              <a:ext uri="{FF2B5EF4-FFF2-40B4-BE49-F238E27FC236}">
-                <a16:creationId xmlns:a16="http://schemas.microsoft.com/office/drawing/2014/main" id="{5858EE9D-F296-5CC3-4FC1-A92CEC6C846F}"/>
-              </a:ext>
-            </a:extLst>
-          </p:cNvPr>
-          <p:cNvSpPr>
-            <a:spLocks noGrp="1"/>
-          </p:cNvSpPr>
-          <p:nvPr>
-            <p:ph type="body" sz="half" idx="2"/>
-          </p:nvPr>
-        </p:nvSpPr>
-        <p:spPr/>
-        <p:txBody>
-          <a:bodyPr/>
-          <a:lstStyle/>
-          <a:p>
-            <a:endParaRPr lang="en-US" dirty="0"/>
-          </a:p>
-        </p:txBody>
-      </p:sp>
-    </p:spTree>
-    <p:extLst>
-      <p:ext uri="{BB962C8B-B14F-4D97-AF65-F5344CB8AC3E}">
-        <p14:creationId xmlns:p14="http://schemas.microsoft.com/office/powerpoint/2010/main" val="2655513383"/>
-      </p:ext>
-    </p:extLst>
-  </p:cSld>
-  <p:clrMapOvr>
-    <a:masterClrMapping/>
-  </p:clrMapOvr>
-</p:sld>
-</file>
-
-<file path=ppt/slides/slide7.xml><?xml version="1.0" encoding="utf-8"?>
-<p:sld xmlns:a="http://schemas.openxmlformats.org/drawingml/2006/main" xmlns:r="http://schemas.openxmlformats.org/officeDocument/2006/relationships" xmlns:p="http://schemas.openxmlformats.org/presentationml/2006/main">
-  <p:cSld>
-    <p:spTree>
-      <p:nvGrpSpPr>
-        <p:cNvPr id="1" name=""/>
-        <p:cNvGrpSpPr/>
-        <p:nvPr/>
-      </p:nvGrpSpPr>
-      <p:grpSpPr>
-        <a:xfrm>
-          <a:off x="0" y="0"/>
-          <a:ext cx="0" cy="0"/>
-          <a:chOff x="0" y="0"/>
-          <a:chExt cx="0" cy="0"/>
-        </a:xfrm>
-      </p:grpSpPr>
-    </p:spTree>
-    <p:extLst>
-      <p:ext uri="{BB962C8B-B14F-4D97-AF65-F5344CB8AC3E}">
-        <p14:creationId xmlns:p14="http://schemas.microsoft.com/office/powerpoint/2010/main" val="207656259"/>
-      </p:ext>
-    </p:extLst>
-  </p:cSld>
-  <p:clrMapOvr>
-    <a:masterClrMapping/>
-  </p:clrMapOvr>
-</p:sld>
-</file>
-
-<file path=ppt/slides/slide8.xml><?xml version="1.0" encoding="utf-8"?>
-<p:sld xmlns:a="http://schemas.openxmlformats.org/drawingml/2006/main" xmlns:r="http://schemas.openxmlformats.org/officeDocument/2006/relationships" xmlns:p="http://schemas.openxmlformats.org/presentationml/2006/main">
-  <p:cSld>
-    <p:spTree>
-      <p:nvGrpSpPr>
-        <p:cNvPr id="1" name=""/>
-        <p:cNvGrpSpPr/>
-        <p:nvPr/>
-      </p:nvGrpSpPr>
-      <p:grpSpPr>
-        <a:xfrm>
-          <a:off x="0" y="0"/>
-          <a:ext cx="0" cy="0"/>
-          <a:chOff x="0" y="0"/>
-          <a:chExt cx="0" cy="0"/>
-        </a:xfrm>
-      </p:grpSpPr>
       <p:pic>
         <p:nvPicPr>
           <p:cNvPr id="3" name="Picture 2">
             <a:extLst>
               <a:ext uri="{FF2B5EF4-FFF2-40B4-BE49-F238E27FC236}">
-                <a16:creationId xmlns:a16="http://schemas.microsoft.com/office/drawing/2014/main" id="{D09F055F-8274-2299-FBEF-635CBE917507}"/>
+                <a16:creationId xmlns:a16="http://schemas.microsoft.com/office/drawing/2014/main" id="{0487C50D-5252-7B5E-BA4A-8670D8713D99}"/>
               </a:ext>
             </a:extLst>
           </p:cNvPr>
@@ -4449,78 +3749,63 @@
         </p:blipFill>
         <p:spPr>
           <a:xfrm>
-            <a:off x="4586077" y="1723787"/>
-            <a:ext cx="3019846" cy="3410426"/>
+            <a:off x="3985918" y="232916"/>
+            <a:ext cx="4220164" cy="6392167"/>
           </a:xfrm>
           <a:prstGeom prst="rect">
             <a:avLst/>
           </a:prstGeom>
         </p:spPr>
       </p:pic>
-    </p:spTree>
-    <p:extLst>
-      <p:ext uri="{BB962C8B-B14F-4D97-AF65-F5344CB8AC3E}">
-        <p14:creationId xmlns:p14="http://schemas.microsoft.com/office/powerpoint/2010/main" val="3960658807"/>
-      </p:ext>
-    </p:extLst>
-  </p:cSld>
-  <p:clrMapOvr>
-    <a:masterClrMapping/>
-  </p:clrMapOvr>
-</p:sld>
-</file>
-
-<file path=ppt/slides/slide9.xml><?xml version="1.0" encoding="utf-8"?>
-<p:sld xmlns:a="http://schemas.openxmlformats.org/drawingml/2006/main" xmlns:r="http://schemas.openxmlformats.org/officeDocument/2006/relationships" xmlns:p="http://schemas.openxmlformats.org/presentationml/2006/main">
-  <p:cSld>
-    <p:spTree>
-      <p:nvGrpSpPr>
-        <p:cNvPr id="1" name=""/>
-        <p:cNvGrpSpPr/>
-        <p:nvPr/>
-      </p:nvGrpSpPr>
-      <p:grpSpPr>
-        <a:xfrm>
-          <a:off x="0" y="0"/>
-          <a:ext cx="0" cy="0"/>
-          <a:chOff x="0" y="0"/>
-          <a:chExt cx="0" cy="0"/>
-        </a:xfrm>
-      </p:grpSpPr>
-      <p:pic>
-        <p:nvPicPr>
-          <p:cNvPr id="3" name="Picture 2">
-            <a:extLst>
-              <a:ext uri="{FF2B5EF4-FFF2-40B4-BE49-F238E27FC236}">
-                <a16:creationId xmlns:a16="http://schemas.microsoft.com/office/drawing/2014/main" id="{A5AC70AD-3EDC-AB2D-285A-6DA15B3F52F2}"/>
-              </a:ext>
-            </a:extLst>
-          </p:cNvPr>
-          <p:cNvPicPr>
-            <a:picLocks noChangeAspect="1"/>
-          </p:cNvPicPr>
+      <p:sp>
+        <p:nvSpPr>
+          <p:cNvPr id="2" name="TextBox 1">
+            <a:extLst>
+              <a:ext uri="{FF2B5EF4-FFF2-40B4-BE49-F238E27FC236}">
+                <a16:creationId xmlns:a16="http://schemas.microsoft.com/office/drawing/2014/main" id="{706455B5-15F7-6F78-BA72-6C2D424FB11B}"/>
+              </a:ext>
+            </a:extLst>
+          </p:cNvPr>
+          <p:cNvSpPr txBox="1"/>
           <p:nvPr/>
-        </p:nvPicPr>
-        <p:blipFill>
-          <a:blip r:embed="rId2"/>
-          <a:stretch>
-            <a:fillRect/>
-          </a:stretch>
-        </p:blipFill>
+        </p:nvSpPr>
         <p:spPr>
           <a:xfrm>
-            <a:off x="3280969" y="1709497"/>
-            <a:ext cx="5630061" cy="3439005"/>
+            <a:off x="-120784" y="2239799"/>
+            <a:ext cx="4106702" cy="369332"/>
           </a:xfrm>
           <a:prstGeom prst="rect">
             <a:avLst/>
           </a:prstGeom>
+          <a:solidFill>
+            <a:schemeClr val="accent2"/>
+          </a:solidFill>
         </p:spPr>
-      </p:pic>
+        <p:txBody>
+          <a:bodyPr wrap="none" rtlCol="0">
+            <a:spAutoFit/>
+          </a:bodyPr>
+          <a:lstStyle/>
+          <a:p>
+            <a:r>
+              <a:rPr lang="en-US" dirty="0"/>
+              <a:t>FIND THE DOWNLOADED </a:t>
+            </a:r>
+            <a:r>
+              <a:rPr lang="en-US" dirty="0" err="1"/>
+              <a:t>FiLE</a:t>
+            </a:r>
+            <a:r>
+              <a:rPr lang="en-US" dirty="0"/>
+              <a:t> THENUNZIP</a:t>
+            </a:r>
+          </a:p>
+        </p:txBody>
+      </p:sp>
     </p:spTree>
     <p:extLst>
       <p:ext uri="{BB962C8B-B14F-4D97-AF65-F5344CB8AC3E}">
-        <p14:creationId xmlns:p14="http://schemas.microsoft.com/office/powerpoint/2010/main" val="3512129403"/>
+        <p14:creationId xmlns:p14="http://schemas.microsoft.com/office/powerpoint/2010/main" val="3118944307"/>
       </p:ext>
     </p:extLst>
   </p:cSld>
